--- a/MySEProject/Documentation/Presentation - ANALYSE IMAGE CLASSIFICATION.pptx
+++ b/MySEProject/Documentation/Presentation - ANALYSE IMAGE CLASSIFICATION.pptx
@@ -5,7 +5,7 @@
     <p:sldMasterId id="2147483803" r:id="rId1"/>
   </p:sldMasterIdLst>
   <p:notesMasterIdLst>
-    <p:notesMasterId r:id="rId15"/>
+    <p:notesMasterId r:id="rId16"/>
   </p:notesMasterIdLst>
   <p:sldIdLst>
     <p:sldId id="256" r:id="rId2"/>
@@ -17,10 +17,11 @@
     <p:sldId id="262" r:id="rId8"/>
     <p:sldId id="263" r:id="rId9"/>
     <p:sldId id="264" r:id="rId10"/>
-    <p:sldId id="265" r:id="rId11"/>
-    <p:sldId id="267" r:id="rId12"/>
-    <p:sldId id="266" r:id="rId13"/>
-    <p:sldId id="268" r:id="rId14"/>
+    <p:sldId id="269" r:id="rId11"/>
+    <p:sldId id="265" r:id="rId12"/>
+    <p:sldId id="267" r:id="rId13"/>
+    <p:sldId id="266" r:id="rId14"/>
+    <p:sldId id="268" r:id="rId15"/>
   </p:sldIdLst>
   <p:sldSz cx="9144000" cy="5143500" type="screen16x9"/>
   <p:notesSz cx="6858000" cy="9144000"/>
@@ -13392,6 +13393,115 @@
   <p:cSld>
     <p:spTree>
       <p:nvGrpSpPr>
+        <p:cNvPr id="1" name="Shape 100"/>
+        <p:cNvGrpSpPr/>
+        <p:nvPr/>
+      </p:nvGrpSpPr>
+      <p:grpSpPr>
+        <a:xfrm>
+          <a:off x="0" y="0"/>
+          <a:ext cx="0" cy="0"/>
+          <a:chOff x="0" y="0"/>
+          <a:chExt cx="0" cy="0"/>
+        </a:xfrm>
+      </p:grpSpPr>
+      <p:sp>
+        <p:nvSpPr>
+          <p:cNvPr id="101" name="Google Shape;101;g11f54b59297_0_26:notes"/>
+          <p:cNvSpPr>
+            <a:spLocks noGrp="1" noRot="1" noChangeAspect="1"/>
+          </p:cNvSpPr>
+          <p:nvPr>
+            <p:ph type="sldImg" idx="2"/>
+          </p:nvPr>
+        </p:nvSpPr>
+        <p:spPr>
+          <a:xfrm>
+            <a:off x="381000" y="685800"/>
+            <a:ext cx="6096000" cy="3429000"/>
+          </a:xfrm>
+          <a:custGeom>
+            <a:avLst/>
+            <a:gdLst/>
+            <a:ahLst/>
+            <a:cxnLst/>
+            <a:rect l="l" t="t" r="r" b="b"/>
+            <a:pathLst>
+              <a:path w="120000" h="120000" extrusionOk="0">
+                <a:moveTo>
+                  <a:pt x="0" y="0"/>
+                </a:moveTo>
+                <a:lnTo>
+                  <a:pt x="120000" y="0"/>
+                </a:lnTo>
+                <a:lnTo>
+                  <a:pt x="120000" y="120000"/>
+                </a:lnTo>
+                <a:lnTo>
+                  <a:pt x="0" y="120000"/>
+                </a:lnTo>
+                <a:close/>
+              </a:path>
+            </a:pathLst>
+          </a:custGeom>
+        </p:spPr>
+      </p:sp>
+      <p:sp>
+        <p:nvSpPr>
+          <p:cNvPr id="102" name="Google Shape;102;g11f54b59297_0_26:notes"/>
+          <p:cNvSpPr txBox="1">
+            <a:spLocks noGrp="1"/>
+          </p:cNvSpPr>
+          <p:nvPr>
+            <p:ph type="body" idx="1"/>
+          </p:nvPr>
+        </p:nvSpPr>
+        <p:spPr>
+          <a:xfrm>
+            <a:off x="685800" y="4343400"/>
+            <a:ext cx="5486400" cy="4114800"/>
+          </a:xfrm>
+          <a:prstGeom prst="rect">
+            <a:avLst/>
+          </a:prstGeom>
+        </p:spPr>
+        <p:txBody>
+          <a:bodyPr spcFirstLastPara="1" wrap="square" lIns="91425" tIns="91425" rIns="91425" bIns="91425" anchor="t" anchorCtr="0">
+            <a:noAutofit/>
+          </a:bodyPr>
+          <a:lstStyle/>
+          <a:p>
+            <a:pPr marL="0" lvl="0" indent="0" algn="l" rtl="0">
+              <a:spcBef>
+                <a:spcPts val="0"/>
+              </a:spcBef>
+              <a:spcAft>
+                <a:spcPts val="0"/>
+              </a:spcAft>
+              <a:buNone/>
+            </a:pPr>
+            <a:endParaRPr/>
+          </a:p>
+        </p:txBody>
+      </p:sp>
+    </p:spTree>
+    <p:extLst>
+      <p:ext uri="{BB962C8B-B14F-4D97-AF65-F5344CB8AC3E}">
+        <p14:creationId xmlns:p14="http://schemas.microsoft.com/office/powerpoint/2010/main" val="2491284902"/>
+      </p:ext>
+    </p:extLst>
+  </p:cSld>
+  <p:clrMapOvr>
+    <a:masterClrMapping/>
+  </p:clrMapOvr>
+</p:notes>
+</file>
+
+<file path=ppt/notesSlides/notesSlide11.xml><?xml version="1.0" encoding="utf-8"?>
+<p:notes xmlns:a="http://schemas.openxmlformats.org/drawingml/2006/main" xmlns:r="http://schemas.openxmlformats.org/officeDocument/2006/relationships" xmlns:p="http://schemas.openxmlformats.org/presentationml/2006/main" showMasterSp="0" showMasterPhAnim="0">
+  <p:cSld>
+    <p:spTree>
+      <p:nvGrpSpPr>
         <p:cNvPr id="1" name="Shape 107"/>
         <p:cNvGrpSpPr/>
         <p:nvPr/>
@@ -13491,7 +13601,7 @@
 </p:notes>
 </file>
 
-<file path=ppt/notesSlides/notesSlide11.xml><?xml version="1.0" encoding="utf-8"?>
+<file path=ppt/notesSlides/notesSlide12.xml><?xml version="1.0" encoding="utf-8"?>
 <p:notes xmlns:a="http://schemas.openxmlformats.org/drawingml/2006/main" xmlns:r="http://schemas.openxmlformats.org/officeDocument/2006/relationships" xmlns:p="http://schemas.openxmlformats.org/presentationml/2006/main" showMasterSp="0" showMasterPhAnim="0">
   <p:cSld>
     <p:spTree>
@@ -13595,7 +13705,7 @@
 </p:notes>
 </file>
 
-<file path=ppt/notesSlides/notesSlide12.xml><?xml version="1.0" encoding="utf-8"?>
+<file path=ppt/notesSlides/notesSlide13.xml><?xml version="1.0" encoding="utf-8"?>
 <p:notes xmlns:a="http://schemas.openxmlformats.org/drawingml/2006/main" xmlns:r="http://schemas.openxmlformats.org/officeDocument/2006/relationships" xmlns:p="http://schemas.openxmlformats.org/presentationml/2006/main" showMasterSp="0" showMasterPhAnim="0">
   <p:cSld>
     <p:spTree>
@@ -13699,7 +13809,7 @@
 </p:notes>
 </file>
 
-<file path=ppt/notesSlides/notesSlide13.xml><?xml version="1.0" encoding="utf-8"?>
+<file path=ppt/notesSlides/notesSlide14.xml><?xml version="1.0" encoding="utf-8"?>
 <p:notes xmlns:a="http://schemas.openxmlformats.org/drawingml/2006/main" xmlns:r="http://schemas.openxmlformats.org/officeDocument/2006/relationships" xmlns:p="http://schemas.openxmlformats.org/presentationml/2006/main" showMasterSp="0" showMasterPhAnim="0">
   <p:cSld>
     <p:spTree>
@@ -14861,7 +14971,7 @@
           <a:p>
             <a:fld id="{3C24CCB8-F618-4C43-864E-1072FFC2D939}" type="datetimeFigureOut">
               <a:rPr lang="en-IN" smtClean="0"/>
-              <a:t>28-03-2022</a:t>
+              <a:t>30-03-2022</a:t>
             </a:fld>
             <a:endParaRPr lang="en-IN"/>
           </a:p>
@@ -15079,7 +15189,7 @@
           <a:p>
             <a:fld id="{3C24CCB8-F618-4C43-864E-1072FFC2D939}" type="datetimeFigureOut">
               <a:rPr lang="en-IN" smtClean="0"/>
-              <a:t>28-03-2022</a:t>
+              <a:t>30-03-2022</a:t>
             </a:fld>
             <a:endParaRPr lang="en-IN"/>
           </a:p>
@@ -15345,7 +15455,7 @@
           <a:p>
             <a:fld id="{3C24CCB8-F618-4C43-864E-1072FFC2D939}" type="datetimeFigureOut">
               <a:rPr lang="en-IN" smtClean="0"/>
-              <a:t>28-03-2022</a:t>
+              <a:t>30-03-2022</a:t>
             </a:fld>
             <a:endParaRPr lang="en-IN"/>
           </a:p>
@@ -15896,7 +16006,7 @@
           <a:p>
             <a:fld id="{3C24CCB8-F618-4C43-864E-1072FFC2D939}" type="datetimeFigureOut">
               <a:rPr lang="en-IN" smtClean="0"/>
-              <a:t>28-03-2022</a:t>
+              <a:t>30-03-2022</a:t>
             </a:fld>
             <a:endParaRPr lang="en-IN"/>
           </a:p>
@@ -16249,7 +16359,7 @@
           <a:p>
             <a:fld id="{3C24CCB8-F618-4C43-864E-1072FFC2D939}" type="datetimeFigureOut">
               <a:rPr lang="en-IN" smtClean="0"/>
-              <a:t>28-03-2022</a:t>
+              <a:t>30-03-2022</a:t>
             </a:fld>
             <a:endParaRPr lang="en-IN"/>
           </a:p>
@@ -16534,7 +16644,7 @@
           <a:p>
             <a:fld id="{3C24CCB8-F618-4C43-864E-1072FFC2D939}" type="datetimeFigureOut">
               <a:rPr lang="en-IN" smtClean="0"/>
-              <a:t>28-03-2022</a:t>
+              <a:t>30-03-2022</a:t>
             </a:fld>
             <a:endParaRPr lang="en-IN"/>
           </a:p>
@@ -16923,7 +17033,7 @@
           <a:p>
             <a:fld id="{3C24CCB8-F618-4C43-864E-1072FFC2D939}" type="datetimeFigureOut">
               <a:rPr lang="en-IN" smtClean="0"/>
-              <a:t>28-03-2022</a:t>
+              <a:t>30-03-2022</a:t>
             </a:fld>
             <a:endParaRPr lang="en-IN"/>
           </a:p>
@@ -17051,7 +17161,7 @@
           <a:p>
             <a:fld id="{3C24CCB8-F618-4C43-864E-1072FFC2D939}" type="datetimeFigureOut">
               <a:rPr lang="en-IN" smtClean="0"/>
-              <a:t>28-03-2022</a:t>
+              <a:t>30-03-2022</a:t>
             </a:fld>
             <a:endParaRPr lang="en-IN"/>
           </a:p>
@@ -17232,7 +17342,7 @@
           <a:p>
             <a:fld id="{3C24CCB8-F618-4C43-864E-1072FFC2D939}" type="datetimeFigureOut">
               <a:rPr lang="en-IN" smtClean="0"/>
-              <a:t>28-03-2022</a:t>
+              <a:t>30-03-2022</a:t>
             </a:fld>
             <a:endParaRPr lang="en-IN"/>
           </a:p>
@@ -17595,7 +17705,7 @@
           <a:p>
             <a:fld id="{3C24CCB8-F618-4C43-864E-1072FFC2D939}" type="datetimeFigureOut">
               <a:rPr lang="en-IN" smtClean="0"/>
-              <a:t>28-03-2022</a:t>
+              <a:t>30-03-2022</a:t>
             </a:fld>
             <a:endParaRPr lang="en-IN"/>
           </a:p>
@@ -17987,7 +18097,7 @@
           <a:p>
             <a:fld id="{3C24CCB8-F618-4C43-864E-1072FFC2D939}" type="datetimeFigureOut">
               <a:rPr lang="en-IN" smtClean="0"/>
-              <a:t>28-03-2022</a:t>
+              <a:t>30-03-2022</a:t>
             </a:fld>
             <a:endParaRPr lang="en-IN"/>
           </a:p>
@@ -18284,7 +18394,7 @@
           <a:p>
             <a:fld id="{3C24CCB8-F618-4C43-864E-1072FFC2D939}" type="datetimeFigureOut">
               <a:rPr lang="en-IN" smtClean="0"/>
-              <a:t>28-03-2022</a:t>
+              <a:t>30-03-2022</a:t>
             </a:fld>
             <a:endParaRPr lang="en-IN"/>
           </a:p>
@@ -19362,6 +19472,531 @@
 <file path=ppt/slides/slide10.xml><?xml version="1.0" encoding="utf-8"?>
 <p:sld xmlns:a="http://schemas.openxmlformats.org/drawingml/2006/main" xmlns:r="http://schemas.openxmlformats.org/officeDocument/2006/relationships" xmlns:p="http://schemas.openxmlformats.org/presentationml/2006/main">
   <p:cSld>
+    <p:bg>
+      <p:bgPr>
+        <a:solidFill>
+          <a:schemeClr val="bg1"/>
+        </a:solidFill>
+        <a:effectLst/>
+      </p:bgPr>
+    </p:bg>
+    <p:spTree>
+      <p:nvGrpSpPr>
+        <p:cNvPr id="1" name="Shape 103"/>
+        <p:cNvGrpSpPr/>
+        <p:nvPr/>
+      </p:nvGrpSpPr>
+      <p:grpSpPr>
+        <a:xfrm>
+          <a:off x="0" y="0"/>
+          <a:ext cx="0" cy="0"/>
+          <a:chOff x="0" y="0"/>
+          <a:chExt cx="0" cy="0"/>
+        </a:xfrm>
+      </p:grpSpPr>
+      <p:sp>
+        <p:nvSpPr>
+          <p:cNvPr id="137" name="Rectangle 123">
+            <a:extLst>
+              <a:ext uri="{FF2B5EF4-FFF2-40B4-BE49-F238E27FC236}">
+                <a16:creationId xmlns:a16="http://schemas.microsoft.com/office/drawing/2014/main" id="{4E4490D0-3672-446A-AC12-B4830333BDDD}"/>
+              </a:ext>
+              <a:ext uri="{C183D7F6-B498-43B3-948B-1728B52AA6E4}">
+                <adec:decorative xmlns:adec="http://schemas.microsoft.com/office/drawing/2017/decorative" val="1"/>
+              </a:ext>
+            </a:extLst>
+          </p:cNvPr>
+          <p:cNvSpPr>
+            <a:spLocks noGrp="1" noRot="1" noChangeAspect="1" noMove="1" noResize="1" noEditPoints="1" noAdjustHandles="1" noChangeArrowheads="1" noChangeShapeType="1" noTextEdit="1"/>
+          </p:cNvSpPr>
+          <p:nvPr>
+            <p:extLst>
+              <p:ext uri="{386F3935-93C4-4BCD-93E2-E3B085C9AB24}">
+                <p16:designElem xmlns:p16="http://schemas.microsoft.com/office/powerpoint/2015/main" val="1"/>
+              </p:ext>
+            </p:extLst>
+          </p:nvPr>
+        </p:nvSpPr>
+        <p:spPr>
+          <a:xfrm>
+            <a:off x="2381" y="4800600"/>
+            <a:ext cx="9141619" cy="342900"/>
+          </a:xfrm>
+          <a:prstGeom prst="rect">
+            <a:avLst/>
+          </a:prstGeom>
+          <a:solidFill>
+            <a:schemeClr val="accent2"/>
+          </a:solidFill>
+          <a:ln>
+            <a:noFill/>
+          </a:ln>
+        </p:spPr>
+        <p:style>
+          <a:lnRef idx="2">
+            <a:schemeClr val="accent1">
+              <a:shade val="50000"/>
+            </a:schemeClr>
+          </a:lnRef>
+          <a:fillRef idx="1">
+            <a:schemeClr val="accent1"/>
+          </a:fillRef>
+          <a:effectRef idx="0">
+            <a:schemeClr val="accent1"/>
+          </a:effectRef>
+          <a:fontRef idx="minor">
+            <a:schemeClr val="lt1"/>
+          </a:fontRef>
+        </p:style>
+      </p:sp>
+      <p:sp>
+        <p:nvSpPr>
+          <p:cNvPr id="138" name="Rectangle 125">
+            <a:extLst>
+              <a:ext uri="{FF2B5EF4-FFF2-40B4-BE49-F238E27FC236}">
+                <a16:creationId xmlns:a16="http://schemas.microsoft.com/office/drawing/2014/main" id="{39CB82C2-DF65-4EC1-8280-F201D50F570B}"/>
+              </a:ext>
+              <a:ext uri="{C183D7F6-B498-43B3-948B-1728B52AA6E4}">
+                <adec:decorative xmlns:adec="http://schemas.microsoft.com/office/drawing/2017/decorative" val="1"/>
+              </a:ext>
+            </a:extLst>
+          </p:cNvPr>
+          <p:cNvSpPr>
+            <a:spLocks noGrp="1" noRot="1" noChangeAspect="1" noMove="1" noResize="1" noEditPoints="1" noAdjustHandles="1" noChangeArrowheads="1" noChangeShapeType="1" noTextEdit="1"/>
+          </p:cNvSpPr>
+          <p:nvPr>
+            <p:extLst>
+              <p:ext uri="{386F3935-93C4-4BCD-93E2-E3B085C9AB24}">
+                <p16:designElem xmlns:p16="http://schemas.microsoft.com/office/powerpoint/2015/main" val="1"/>
+              </p:ext>
+            </p:extLst>
+          </p:nvPr>
+        </p:nvSpPr>
+        <p:spPr>
+          <a:xfrm>
+            <a:off x="11" y="4750737"/>
+            <a:ext cx="9141619" cy="48006"/>
+          </a:xfrm>
+          <a:prstGeom prst="rect">
+            <a:avLst/>
+          </a:prstGeom>
+          <a:solidFill>
+            <a:schemeClr val="accent1"/>
+          </a:solidFill>
+          <a:ln>
+            <a:noFill/>
+          </a:ln>
+        </p:spPr>
+        <p:style>
+          <a:lnRef idx="2">
+            <a:schemeClr val="accent1">
+              <a:shade val="50000"/>
+            </a:schemeClr>
+          </a:lnRef>
+          <a:fillRef idx="1">
+            <a:schemeClr val="accent1"/>
+          </a:fillRef>
+          <a:effectRef idx="0">
+            <a:schemeClr val="accent1"/>
+          </a:effectRef>
+          <a:fontRef idx="minor">
+            <a:schemeClr val="lt1"/>
+          </a:fontRef>
+        </p:style>
+      </p:sp>
+      <p:cxnSp>
+        <p:nvCxnSpPr>
+          <p:cNvPr id="139" name="Straight Connector 127">
+            <a:extLst>
+              <a:ext uri="{FF2B5EF4-FFF2-40B4-BE49-F238E27FC236}">
+                <a16:creationId xmlns:a16="http://schemas.microsoft.com/office/drawing/2014/main" id="{7E1D4427-852B-4B37-8E76-0E9F1810BA2A}"/>
+              </a:ext>
+              <a:ext uri="{C183D7F6-B498-43B3-948B-1728B52AA6E4}">
+                <adec:decorative xmlns:adec="http://schemas.microsoft.com/office/drawing/2017/decorative" val="1"/>
+              </a:ext>
+            </a:extLst>
+          </p:cNvPr>
+          <p:cNvCxnSpPr>
+            <a:cxnSpLocks noGrp="1" noRot="1" noChangeAspect="1" noMove="1" noResize="1" noEditPoints="1" noAdjustHandles="1" noChangeArrowheads="1" noChangeShapeType="1"/>
+          </p:cNvCxnSpPr>
+          <p:nvPr>
+            <p:extLst>
+              <p:ext uri="{386F3935-93C4-4BCD-93E2-E3B085C9AB24}">
+                <p16:designElem xmlns:p16="http://schemas.microsoft.com/office/powerpoint/2015/main" val="1"/>
+              </p:ext>
+            </p:extLst>
+          </p:nvPr>
+        </p:nvCxnSpPr>
+        <p:spPr>
+          <a:xfrm>
+            <a:off x="905743" y="3257550"/>
+            <a:ext cx="7406640" cy="0"/>
+          </a:xfrm>
+          <a:prstGeom prst="line">
+            <a:avLst/>
+          </a:prstGeom>
+          <a:ln w="6350">
+            <a:solidFill>
+              <a:schemeClr val="tx1">
+                <a:lumMod val="50000"/>
+                <a:lumOff val="50000"/>
+              </a:schemeClr>
+            </a:solidFill>
+          </a:ln>
+        </p:spPr>
+        <p:style>
+          <a:lnRef idx="1">
+            <a:schemeClr val="accent1"/>
+          </a:lnRef>
+          <a:fillRef idx="0">
+            <a:schemeClr val="accent1"/>
+          </a:fillRef>
+          <a:effectRef idx="0">
+            <a:schemeClr val="accent1"/>
+          </a:effectRef>
+          <a:fontRef idx="minor">
+            <a:schemeClr val="tx1"/>
+          </a:fontRef>
+        </p:style>
+      </p:cxnSp>
+      <p:sp useBgFill="1">
+        <p:nvSpPr>
+          <p:cNvPr id="140" name="Rectangle 129">
+            <a:extLst>
+              <a:ext uri="{FF2B5EF4-FFF2-40B4-BE49-F238E27FC236}">
+                <a16:creationId xmlns:a16="http://schemas.microsoft.com/office/drawing/2014/main" id="{C4AAA502-5435-489E-9538-3A40E6C71461}"/>
+              </a:ext>
+              <a:ext uri="{C183D7F6-B498-43B3-948B-1728B52AA6E4}">
+                <adec:decorative xmlns:adec="http://schemas.microsoft.com/office/drawing/2017/decorative" val="1"/>
+              </a:ext>
+            </a:extLst>
+          </p:cNvPr>
+          <p:cNvSpPr>
+            <a:spLocks noGrp="1" noRot="1" noChangeAspect="1" noMove="1" noResize="1" noEditPoints="1" noAdjustHandles="1" noChangeArrowheads="1" noChangeShapeType="1" noTextEdit="1"/>
+          </p:cNvSpPr>
+          <p:nvPr>
+            <p:extLst>
+              <p:ext uri="{386F3935-93C4-4BCD-93E2-E3B085C9AB24}">
+                <p16:designElem xmlns:p16="http://schemas.microsoft.com/office/powerpoint/2015/main" val="1"/>
+              </p:ext>
+            </p:extLst>
+          </p:nvPr>
+        </p:nvSpPr>
+        <p:spPr>
+          <a:xfrm>
+            <a:off x="0" y="0"/>
+            <a:ext cx="9144000" cy="4750737"/>
+          </a:xfrm>
+          <a:prstGeom prst="rect">
+            <a:avLst/>
+          </a:prstGeom>
+          <a:ln>
+            <a:noFill/>
+          </a:ln>
+        </p:spPr>
+        <p:style>
+          <a:lnRef idx="2">
+            <a:schemeClr val="accent1">
+              <a:shade val="50000"/>
+            </a:schemeClr>
+          </a:lnRef>
+          <a:fillRef idx="1">
+            <a:schemeClr val="accent1"/>
+          </a:fillRef>
+          <a:effectRef idx="0">
+            <a:schemeClr val="accent1"/>
+          </a:effectRef>
+          <a:fontRef idx="minor">
+            <a:schemeClr val="lt1"/>
+          </a:fontRef>
+        </p:style>
+        <p:txBody>
+          <a:bodyPr rtlCol="0" anchor="ctr"/>
+          <a:lstStyle/>
+          <a:p>
+            <a:pPr algn="ctr"/>
+            <a:endParaRPr lang="en-US"/>
+          </a:p>
+        </p:txBody>
+      </p:sp>
+      <p:sp>
+        <p:nvSpPr>
+          <p:cNvPr id="104" name="Google Shape;104;p21"/>
+          <p:cNvSpPr txBox="1">
+            <a:spLocks noGrp="1"/>
+          </p:cNvSpPr>
+          <p:nvPr>
+            <p:ph type="title"/>
+          </p:nvPr>
+        </p:nvSpPr>
+        <p:spPr>
+          <a:xfrm>
+            <a:off x="475499" y="3412671"/>
+            <a:ext cx="8181805" cy="793242"/>
+          </a:xfrm>
+          <a:prstGeom prst="rect">
+            <a:avLst/>
+          </a:prstGeom>
+        </p:spPr>
+        <p:txBody>
+          <a:bodyPr spcFirstLastPara="1" vert="horz" lIns="91440" tIns="45720" rIns="91440" bIns="45720" rtlCol="0" anchor="b" anchorCtr="0">
+            <a:normAutofit/>
+          </a:bodyPr>
+          <a:lstStyle/>
+          <a:p>
+            <a:pPr lvl="0" indent="0" defTabSz="914400">
+              <a:spcBef>
+                <a:spcPct val="0"/>
+              </a:spcBef>
+              <a:spcAft>
+                <a:spcPts val="0"/>
+              </a:spcAft>
+            </a:pPr>
+            <a:r>
+              <a:rPr lang="en-US" sz="2500" spc="-50" dirty="0">
+                <a:solidFill>
+                  <a:schemeClr val="tx1">
+                    <a:lumMod val="85000"/>
+                    <a:lumOff val="15000"/>
+                  </a:schemeClr>
+                </a:solidFill>
+              </a:rPr>
+              <a:t>Case 1:  SIMILARITY MATRIX</a:t>
+            </a:r>
+            <a:br>
+              <a:rPr lang="en-US" sz="2500" spc="-50" dirty="0">
+                <a:solidFill>
+                  <a:schemeClr val="tx1">
+                    <a:lumMod val="85000"/>
+                    <a:lumOff val="15000"/>
+                  </a:schemeClr>
+                </a:solidFill>
+              </a:rPr>
+            </a:br>
+            <a:r>
+              <a:rPr lang="en-US" sz="2500" spc="-50" dirty="0">
+                <a:solidFill>
+                  <a:schemeClr val="tx1">
+                    <a:lumMod val="85000"/>
+                    <a:lumOff val="15000"/>
+                  </a:schemeClr>
+                </a:solidFill>
+              </a:rPr>
+              <a:t>Macro Correlation </a:t>
+            </a:r>
+          </a:p>
+        </p:txBody>
+      </p:sp>
+      <p:cxnSp>
+        <p:nvCxnSpPr>
+          <p:cNvPr id="141" name="Straight Connector 131">
+            <a:extLst>
+              <a:ext uri="{FF2B5EF4-FFF2-40B4-BE49-F238E27FC236}">
+                <a16:creationId xmlns:a16="http://schemas.microsoft.com/office/drawing/2014/main" id="{C9AC0290-4702-4519-B0F4-C2A46880997B}"/>
+              </a:ext>
+              <a:ext uri="{C183D7F6-B498-43B3-948B-1728B52AA6E4}">
+                <adec:decorative xmlns:adec="http://schemas.microsoft.com/office/drawing/2017/decorative" val="1"/>
+              </a:ext>
+            </a:extLst>
+          </p:cNvPr>
+          <p:cNvCxnSpPr>
+            <a:cxnSpLocks noGrp="1" noRot="1" noChangeAspect="1" noMove="1" noResize="1" noEditPoints="1" noAdjustHandles="1" noChangeArrowheads="1" noChangeShapeType="1"/>
+          </p:cNvCxnSpPr>
+          <p:nvPr>
+            <p:extLst>
+              <p:ext uri="{386F3935-93C4-4BCD-93E2-E3B085C9AB24}">
+                <p16:designElem xmlns:p16="http://schemas.microsoft.com/office/powerpoint/2015/main" val="1"/>
+              </p:ext>
+            </p:extLst>
+          </p:nvPr>
+        </p:nvCxnSpPr>
+        <p:spPr>
+          <a:xfrm>
+            <a:off x="540814" y="4214077"/>
+            <a:ext cx="7886700" cy="0"/>
+          </a:xfrm>
+          <a:prstGeom prst="line">
+            <a:avLst/>
+          </a:prstGeom>
+          <a:ln w="6350">
+            <a:solidFill>
+              <a:schemeClr val="tx2">
+                <a:alpha val="90000"/>
+              </a:schemeClr>
+            </a:solidFill>
+          </a:ln>
+        </p:spPr>
+        <p:style>
+          <a:lnRef idx="1">
+            <a:schemeClr val="accent1"/>
+          </a:lnRef>
+          <a:fillRef idx="0">
+            <a:schemeClr val="accent1"/>
+          </a:fillRef>
+          <a:effectRef idx="0">
+            <a:schemeClr val="accent1"/>
+          </a:effectRef>
+          <a:fontRef idx="minor">
+            <a:schemeClr val="tx1"/>
+          </a:fontRef>
+        </p:style>
+      </p:cxnSp>
+      <p:sp>
+        <p:nvSpPr>
+          <p:cNvPr id="142" name="Rectangle 133">
+            <a:extLst>
+              <a:ext uri="{FF2B5EF4-FFF2-40B4-BE49-F238E27FC236}">
+                <a16:creationId xmlns:a16="http://schemas.microsoft.com/office/drawing/2014/main" id="{DE42378B-2E28-4810-8421-7A473A40E376}"/>
+              </a:ext>
+              <a:ext uri="{C183D7F6-B498-43B3-948B-1728B52AA6E4}">
+                <adec:decorative xmlns:adec="http://schemas.microsoft.com/office/drawing/2017/decorative" val="1"/>
+              </a:ext>
+            </a:extLst>
+          </p:cNvPr>
+          <p:cNvSpPr>
+            <a:spLocks noGrp="1" noRot="1" noChangeAspect="1" noMove="1" noResize="1" noEditPoints="1" noAdjustHandles="1" noChangeArrowheads="1" noChangeShapeType="1" noTextEdit="1"/>
+          </p:cNvSpPr>
+          <p:nvPr>
+            <p:extLst>
+              <p:ext uri="{386F3935-93C4-4BCD-93E2-E3B085C9AB24}">
+                <p16:designElem xmlns:p16="http://schemas.microsoft.com/office/powerpoint/2015/main" val="1"/>
+              </p:ext>
+            </p:extLst>
+          </p:nvPr>
+        </p:nvSpPr>
+        <p:spPr>
+          <a:xfrm>
+            <a:off x="11" y="4750737"/>
+            <a:ext cx="9143989" cy="49863"/>
+          </a:xfrm>
+          <a:prstGeom prst="rect">
+            <a:avLst/>
+          </a:prstGeom>
+          <a:solidFill>
+            <a:schemeClr val="accent1"/>
+          </a:solidFill>
+          <a:ln>
+            <a:noFill/>
+          </a:ln>
+        </p:spPr>
+        <p:style>
+          <a:lnRef idx="2">
+            <a:schemeClr val="accent1">
+              <a:shade val="50000"/>
+            </a:schemeClr>
+          </a:lnRef>
+          <a:fillRef idx="1">
+            <a:schemeClr val="accent1"/>
+          </a:fillRef>
+          <a:effectRef idx="0">
+            <a:schemeClr val="accent1"/>
+          </a:effectRef>
+          <a:fontRef idx="minor">
+            <a:schemeClr val="lt1"/>
+          </a:fontRef>
+        </p:style>
+      </p:sp>
+      <p:sp>
+        <p:nvSpPr>
+          <p:cNvPr id="136" name="Rectangle 135">
+            <a:extLst>
+              <a:ext uri="{FF2B5EF4-FFF2-40B4-BE49-F238E27FC236}">
+                <a16:creationId xmlns:a16="http://schemas.microsoft.com/office/drawing/2014/main" id="{0D91DD17-237F-4811-BC0E-128EB1BD7CFE}"/>
+              </a:ext>
+              <a:ext uri="{C183D7F6-B498-43B3-948B-1728B52AA6E4}">
+                <adec:decorative xmlns:adec="http://schemas.microsoft.com/office/drawing/2017/decorative" val="1"/>
+              </a:ext>
+            </a:extLst>
+          </p:cNvPr>
+          <p:cNvSpPr>
+            <a:spLocks noGrp="1" noRot="1" noChangeAspect="1" noMove="1" noResize="1" noEditPoints="1" noAdjustHandles="1" noChangeArrowheads="1" noChangeShapeType="1" noTextEdit="1"/>
+          </p:cNvSpPr>
+          <p:nvPr>
+            <p:extLst>
+              <p:ext uri="{386F3935-93C4-4BCD-93E2-E3B085C9AB24}">
+                <p16:designElem xmlns:p16="http://schemas.microsoft.com/office/powerpoint/2015/main" val="1"/>
+              </p:ext>
+            </p:extLst>
+          </p:nvPr>
+        </p:nvSpPr>
+        <p:spPr>
+          <a:xfrm>
+            <a:off x="0" y="4800600"/>
+            <a:ext cx="9144000" cy="342900"/>
+          </a:xfrm>
+          <a:prstGeom prst="rect">
+            <a:avLst/>
+          </a:prstGeom>
+          <a:solidFill>
+            <a:schemeClr val="accent2"/>
+          </a:solidFill>
+          <a:ln>
+            <a:noFill/>
+          </a:ln>
+        </p:spPr>
+        <p:style>
+          <a:lnRef idx="2">
+            <a:schemeClr val="accent1">
+              <a:shade val="50000"/>
+            </a:schemeClr>
+          </a:lnRef>
+          <a:fillRef idx="1">
+            <a:schemeClr val="accent1"/>
+          </a:fillRef>
+          <a:effectRef idx="0">
+            <a:schemeClr val="accent1"/>
+          </a:effectRef>
+          <a:fontRef idx="minor">
+            <a:schemeClr val="lt1"/>
+          </a:fontRef>
+        </p:style>
+      </p:sp>
+      <p:pic>
+        <p:nvPicPr>
+          <p:cNvPr id="3" name="Picture 2" descr="Text&#10;&#10;Description automatically generated">
+            <a:extLst>
+              <a:ext uri="{FF2B5EF4-FFF2-40B4-BE49-F238E27FC236}">
+                <a16:creationId xmlns:a16="http://schemas.microsoft.com/office/drawing/2014/main" id="{A82A200A-3BA9-443E-81AC-5C5B75770DAF}"/>
+              </a:ext>
+            </a:extLst>
+          </p:cNvPr>
+          <p:cNvPicPr>
+            <a:picLocks noChangeAspect="1"/>
+          </p:cNvPicPr>
+          <p:nvPr/>
+        </p:nvPicPr>
+        <p:blipFill>
+          <a:blip r:embed="rId3"/>
+          <a:stretch>
+            <a:fillRect/>
+          </a:stretch>
+        </p:blipFill>
+        <p:spPr>
+          <a:xfrm>
+            <a:off x="701748" y="304534"/>
+            <a:ext cx="7245705" cy="3162831"/>
+          </a:xfrm>
+          <a:prstGeom prst="rect">
+            <a:avLst/>
+          </a:prstGeom>
+        </p:spPr>
+      </p:pic>
+    </p:spTree>
+    <p:extLst>
+      <p:ext uri="{BB962C8B-B14F-4D97-AF65-F5344CB8AC3E}">
+        <p14:creationId xmlns:p14="http://schemas.microsoft.com/office/powerpoint/2010/main" val="2652613490"/>
+      </p:ext>
+    </p:extLst>
+  </p:cSld>
+  <p:clrMapOvr>
+    <a:masterClrMapping/>
+  </p:clrMapOvr>
+</p:sld>
+</file>
+
+<file path=ppt/slides/slide11.xml><?xml version="1.0" encoding="utf-8"?>
+<p:sld xmlns:a="http://schemas.openxmlformats.org/drawingml/2006/main" xmlns:r="http://schemas.openxmlformats.org/officeDocument/2006/relationships" xmlns:p="http://schemas.openxmlformats.org/presentationml/2006/main">
+  <p:cSld>
     <p:spTree>
       <p:nvGrpSpPr>
         <p:cNvPr id="1" name="Shape 110"/>
@@ -19460,7 +20095,7 @@
 </p:sld>
 </file>
 
-<file path=ppt/slides/slide11.xml><?xml version="1.0" encoding="utf-8"?>
+<file path=ppt/slides/slide12.xml><?xml version="1.0" encoding="utf-8"?>
 <p:sld xmlns:a="http://schemas.openxmlformats.org/drawingml/2006/main" xmlns:r="http://schemas.openxmlformats.org/officeDocument/2006/relationships" xmlns:p="http://schemas.openxmlformats.org/presentationml/2006/main">
   <p:cSld>
     <p:bg>
@@ -19487,10 +20122,421 @@
       </p:grpSpPr>
       <p:sp>
         <p:nvSpPr>
-          <p:cNvPr id="130" name="Rectangle 129">
+          <p:cNvPr id="165" name="Rectangle 164">
             <a:extLst>
               <a:ext uri="{FF2B5EF4-FFF2-40B4-BE49-F238E27FC236}">
-                <a16:creationId xmlns:a16="http://schemas.microsoft.com/office/drawing/2014/main" id="{600B5AE2-C5CC-499C-8F2D-249888BE22C2}"/>
+                <a16:creationId xmlns:a16="http://schemas.microsoft.com/office/drawing/2014/main" id="{4E4490D0-3672-446A-AC12-B4830333BDDD}"/>
+              </a:ext>
+              <a:ext uri="{C183D7F6-B498-43B3-948B-1728B52AA6E4}">
+                <adec:decorative xmlns:adec="http://schemas.microsoft.com/office/drawing/2017/decorative" val="1"/>
+              </a:ext>
+            </a:extLst>
+          </p:cNvPr>
+          <p:cNvSpPr>
+            <a:spLocks noGrp="1" noRot="1" noChangeAspect="1" noMove="1" noResize="1" noEditPoints="1" noAdjustHandles="1" noChangeArrowheads="1" noChangeShapeType="1" noTextEdit="1"/>
+          </p:cNvSpPr>
+          <p:nvPr>
+            <p:extLst>
+              <p:ext uri="{386F3935-93C4-4BCD-93E2-E3B085C9AB24}">
+                <p16:designElem xmlns:p16="http://schemas.microsoft.com/office/powerpoint/2015/main" val="1"/>
+              </p:ext>
+            </p:extLst>
+          </p:nvPr>
+        </p:nvSpPr>
+        <p:spPr>
+          <a:xfrm>
+            <a:off x="2381" y="4800600"/>
+            <a:ext cx="9141619" cy="342900"/>
+          </a:xfrm>
+          <a:prstGeom prst="rect">
+            <a:avLst/>
+          </a:prstGeom>
+          <a:solidFill>
+            <a:schemeClr val="accent2"/>
+          </a:solidFill>
+          <a:ln>
+            <a:noFill/>
+          </a:ln>
+        </p:spPr>
+        <p:style>
+          <a:lnRef idx="2">
+            <a:schemeClr val="accent1">
+              <a:shade val="50000"/>
+            </a:schemeClr>
+          </a:lnRef>
+          <a:fillRef idx="1">
+            <a:schemeClr val="accent1"/>
+          </a:fillRef>
+          <a:effectRef idx="0">
+            <a:schemeClr val="accent1"/>
+          </a:effectRef>
+          <a:fontRef idx="minor">
+            <a:schemeClr val="lt1"/>
+          </a:fontRef>
+        </p:style>
+      </p:sp>
+      <p:sp>
+        <p:nvSpPr>
+          <p:cNvPr id="167" name="Rectangle 166">
+            <a:extLst>
+              <a:ext uri="{FF2B5EF4-FFF2-40B4-BE49-F238E27FC236}">
+                <a16:creationId xmlns:a16="http://schemas.microsoft.com/office/drawing/2014/main" id="{39CB82C2-DF65-4EC1-8280-F201D50F570B}"/>
+              </a:ext>
+              <a:ext uri="{C183D7F6-B498-43B3-948B-1728B52AA6E4}">
+                <adec:decorative xmlns:adec="http://schemas.microsoft.com/office/drawing/2017/decorative" val="1"/>
+              </a:ext>
+            </a:extLst>
+          </p:cNvPr>
+          <p:cNvSpPr>
+            <a:spLocks noGrp="1" noRot="1" noChangeAspect="1" noMove="1" noResize="1" noEditPoints="1" noAdjustHandles="1" noChangeArrowheads="1" noChangeShapeType="1" noTextEdit="1"/>
+          </p:cNvSpPr>
+          <p:nvPr>
+            <p:extLst>
+              <p:ext uri="{386F3935-93C4-4BCD-93E2-E3B085C9AB24}">
+                <p16:designElem xmlns:p16="http://schemas.microsoft.com/office/powerpoint/2015/main" val="1"/>
+              </p:ext>
+            </p:extLst>
+          </p:nvPr>
+        </p:nvSpPr>
+        <p:spPr>
+          <a:xfrm>
+            <a:off x="11" y="4750737"/>
+            <a:ext cx="9141619" cy="48006"/>
+          </a:xfrm>
+          <a:prstGeom prst="rect">
+            <a:avLst/>
+          </a:prstGeom>
+          <a:solidFill>
+            <a:schemeClr val="accent1"/>
+          </a:solidFill>
+          <a:ln>
+            <a:noFill/>
+          </a:ln>
+        </p:spPr>
+        <p:style>
+          <a:lnRef idx="2">
+            <a:schemeClr val="accent1">
+              <a:shade val="50000"/>
+            </a:schemeClr>
+          </a:lnRef>
+          <a:fillRef idx="1">
+            <a:schemeClr val="accent1"/>
+          </a:fillRef>
+          <a:effectRef idx="0">
+            <a:schemeClr val="accent1"/>
+          </a:effectRef>
+          <a:fontRef idx="minor">
+            <a:schemeClr val="lt1"/>
+          </a:fontRef>
+        </p:style>
+      </p:sp>
+      <p:cxnSp>
+        <p:nvCxnSpPr>
+          <p:cNvPr id="169" name="Straight Connector 168">
+            <a:extLst>
+              <a:ext uri="{FF2B5EF4-FFF2-40B4-BE49-F238E27FC236}">
+                <a16:creationId xmlns:a16="http://schemas.microsoft.com/office/drawing/2014/main" id="{7E1D4427-852B-4B37-8E76-0E9F1810BA2A}"/>
+              </a:ext>
+              <a:ext uri="{C183D7F6-B498-43B3-948B-1728B52AA6E4}">
+                <adec:decorative xmlns:adec="http://schemas.microsoft.com/office/drawing/2017/decorative" val="1"/>
+              </a:ext>
+            </a:extLst>
+          </p:cNvPr>
+          <p:cNvCxnSpPr>
+            <a:cxnSpLocks noGrp="1" noRot="1" noChangeAspect="1" noMove="1" noResize="1" noEditPoints="1" noAdjustHandles="1" noChangeArrowheads="1" noChangeShapeType="1"/>
+          </p:cNvCxnSpPr>
+          <p:nvPr>
+            <p:extLst>
+              <p:ext uri="{386F3935-93C4-4BCD-93E2-E3B085C9AB24}">
+                <p16:designElem xmlns:p16="http://schemas.microsoft.com/office/powerpoint/2015/main" val="1"/>
+              </p:ext>
+            </p:extLst>
+          </p:nvPr>
+        </p:nvCxnSpPr>
+        <p:spPr>
+          <a:xfrm>
+            <a:off x="905743" y="3257550"/>
+            <a:ext cx="7406640" cy="0"/>
+          </a:xfrm>
+          <a:prstGeom prst="line">
+            <a:avLst/>
+          </a:prstGeom>
+          <a:ln w="6350">
+            <a:solidFill>
+              <a:schemeClr val="tx1">
+                <a:lumMod val="50000"/>
+                <a:lumOff val="50000"/>
+              </a:schemeClr>
+            </a:solidFill>
+          </a:ln>
+        </p:spPr>
+        <p:style>
+          <a:lnRef idx="1">
+            <a:schemeClr val="accent1"/>
+          </a:lnRef>
+          <a:fillRef idx="0">
+            <a:schemeClr val="accent1"/>
+          </a:fillRef>
+          <a:effectRef idx="0">
+            <a:schemeClr val="accent1"/>
+          </a:effectRef>
+          <a:fontRef idx="minor">
+            <a:schemeClr val="tx1"/>
+          </a:fontRef>
+        </p:style>
+      </p:cxnSp>
+      <p:sp useBgFill="1">
+        <p:nvSpPr>
+          <p:cNvPr id="171" name="Rectangle 170">
+            <a:extLst>
+              <a:ext uri="{FF2B5EF4-FFF2-40B4-BE49-F238E27FC236}">
+                <a16:creationId xmlns:a16="http://schemas.microsoft.com/office/drawing/2014/main" id="{C4AAA502-5435-489E-9538-3A40E6C71461}"/>
+              </a:ext>
+              <a:ext uri="{C183D7F6-B498-43B3-948B-1728B52AA6E4}">
+                <adec:decorative xmlns:adec="http://schemas.microsoft.com/office/drawing/2017/decorative" val="1"/>
+              </a:ext>
+            </a:extLst>
+          </p:cNvPr>
+          <p:cNvSpPr>
+            <a:spLocks noGrp="1" noRot="1" noChangeAspect="1" noMove="1" noResize="1" noEditPoints="1" noAdjustHandles="1" noChangeArrowheads="1" noChangeShapeType="1" noTextEdit="1"/>
+          </p:cNvSpPr>
+          <p:nvPr>
+            <p:extLst>
+              <p:ext uri="{386F3935-93C4-4BCD-93E2-E3B085C9AB24}">
+                <p16:designElem xmlns:p16="http://schemas.microsoft.com/office/powerpoint/2015/main" val="1"/>
+              </p:ext>
+            </p:extLst>
+          </p:nvPr>
+        </p:nvSpPr>
+        <p:spPr>
+          <a:xfrm>
+            <a:off x="0" y="0"/>
+            <a:ext cx="9144000" cy="4750737"/>
+          </a:xfrm>
+          <a:prstGeom prst="rect">
+            <a:avLst/>
+          </a:prstGeom>
+          <a:ln>
+            <a:noFill/>
+          </a:ln>
+        </p:spPr>
+        <p:style>
+          <a:lnRef idx="2">
+            <a:schemeClr val="accent1">
+              <a:shade val="50000"/>
+            </a:schemeClr>
+          </a:lnRef>
+          <a:fillRef idx="1">
+            <a:schemeClr val="accent1"/>
+          </a:fillRef>
+          <a:effectRef idx="0">
+            <a:schemeClr val="accent1"/>
+          </a:effectRef>
+          <a:fontRef idx="minor">
+            <a:schemeClr val="lt1"/>
+          </a:fontRef>
+        </p:style>
+        <p:txBody>
+          <a:bodyPr rtlCol="0" anchor="ctr"/>
+          <a:lstStyle/>
+          <a:p>
+            <a:pPr algn="ctr"/>
+            <a:endParaRPr lang="en-US"/>
+          </a:p>
+        </p:txBody>
+      </p:sp>
+      <p:sp>
+        <p:nvSpPr>
+          <p:cNvPr id="123" name="Google Shape;123;p24"/>
+          <p:cNvSpPr txBox="1">
+            <a:spLocks noGrp="1"/>
+          </p:cNvSpPr>
+          <p:nvPr>
+            <p:ph type="title"/>
+          </p:nvPr>
+        </p:nvSpPr>
+        <p:spPr>
+          <a:xfrm>
+            <a:off x="475499" y="3412671"/>
+            <a:ext cx="8181805" cy="793242"/>
+          </a:xfrm>
+          <a:prstGeom prst="rect">
+            <a:avLst/>
+          </a:prstGeom>
+        </p:spPr>
+        <p:txBody>
+          <a:bodyPr spcFirstLastPara="1" vert="horz" lIns="91440" tIns="45720" rIns="91440" bIns="45720" rtlCol="0" anchor="b" anchorCtr="0">
+            <a:normAutofit/>
+          </a:bodyPr>
+          <a:lstStyle/>
+          <a:p>
+            <a:pPr lvl="0" indent="0" defTabSz="914400">
+              <a:spcBef>
+                <a:spcPct val="0"/>
+              </a:spcBef>
+              <a:spcAft>
+                <a:spcPts val="0"/>
+              </a:spcAft>
+            </a:pPr>
+            <a:r>
+              <a:rPr lang="en-US" sz="4500" spc="-50" dirty="0">
+                <a:solidFill>
+                  <a:schemeClr val="tx1">
+                    <a:lumMod val="85000"/>
+                    <a:lumOff val="15000"/>
+                  </a:schemeClr>
+                </a:solidFill>
+              </a:rPr>
+              <a:t>FINAL OUTPUT</a:t>
+            </a:r>
+          </a:p>
+        </p:txBody>
+      </p:sp>
+      <p:pic>
+        <p:nvPicPr>
+          <p:cNvPr id="4" name="Picture 3" descr="Graphical user interface, text&#10;&#10;Description automatically generated">
+            <a:extLst>
+              <a:ext uri="{FF2B5EF4-FFF2-40B4-BE49-F238E27FC236}">
+                <a16:creationId xmlns:a16="http://schemas.microsoft.com/office/drawing/2014/main" id="{4C94DCDA-D682-46BA-ABA4-85832A7ED00B}"/>
+              </a:ext>
+            </a:extLst>
+          </p:cNvPr>
+          <p:cNvPicPr>
+            <a:picLocks noChangeAspect="1"/>
+          </p:cNvPicPr>
+          <p:nvPr/>
+        </p:nvPicPr>
+        <p:blipFill>
+          <a:blip r:embed="rId3"/>
+          <a:stretch>
+            <a:fillRect/>
+          </a:stretch>
+        </p:blipFill>
+        <p:spPr>
+          <a:xfrm>
+            <a:off x="476591" y="392763"/>
+            <a:ext cx="7508459" cy="3126613"/>
+          </a:xfrm>
+          <a:prstGeom prst="rect">
+            <a:avLst/>
+          </a:prstGeom>
+        </p:spPr>
+      </p:pic>
+      <p:cxnSp>
+        <p:nvCxnSpPr>
+          <p:cNvPr id="173" name="Straight Connector 172">
+            <a:extLst>
+              <a:ext uri="{FF2B5EF4-FFF2-40B4-BE49-F238E27FC236}">
+                <a16:creationId xmlns:a16="http://schemas.microsoft.com/office/drawing/2014/main" id="{C9AC0290-4702-4519-B0F4-C2A46880997B}"/>
+              </a:ext>
+              <a:ext uri="{C183D7F6-B498-43B3-948B-1728B52AA6E4}">
+                <adec:decorative xmlns:adec="http://schemas.microsoft.com/office/drawing/2017/decorative" val="1"/>
+              </a:ext>
+            </a:extLst>
+          </p:cNvPr>
+          <p:cNvCxnSpPr>
+            <a:cxnSpLocks noGrp="1" noRot="1" noChangeAspect="1" noMove="1" noResize="1" noEditPoints="1" noAdjustHandles="1" noChangeArrowheads="1" noChangeShapeType="1"/>
+          </p:cNvCxnSpPr>
+          <p:nvPr>
+            <p:extLst>
+              <p:ext uri="{386F3935-93C4-4BCD-93E2-E3B085C9AB24}">
+                <p16:designElem xmlns:p16="http://schemas.microsoft.com/office/powerpoint/2015/main" val="1"/>
+              </p:ext>
+            </p:extLst>
+          </p:nvPr>
+        </p:nvCxnSpPr>
+        <p:spPr>
+          <a:xfrm>
+            <a:off x="540814" y="4214077"/>
+            <a:ext cx="7886700" cy="0"/>
+          </a:xfrm>
+          <a:prstGeom prst="line">
+            <a:avLst/>
+          </a:prstGeom>
+          <a:ln w="6350">
+            <a:solidFill>
+              <a:schemeClr val="tx2">
+                <a:alpha val="90000"/>
+              </a:schemeClr>
+            </a:solidFill>
+          </a:ln>
+        </p:spPr>
+        <p:style>
+          <a:lnRef idx="1">
+            <a:schemeClr val="accent1"/>
+          </a:lnRef>
+          <a:fillRef idx="0">
+            <a:schemeClr val="accent1"/>
+          </a:fillRef>
+          <a:effectRef idx="0">
+            <a:schemeClr val="accent1"/>
+          </a:effectRef>
+          <a:fontRef idx="minor">
+            <a:schemeClr val="tx1"/>
+          </a:fontRef>
+        </p:style>
+      </p:cxnSp>
+      <p:sp>
+        <p:nvSpPr>
+          <p:cNvPr id="175" name="Rectangle 174">
+            <a:extLst>
+              <a:ext uri="{FF2B5EF4-FFF2-40B4-BE49-F238E27FC236}">
+                <a16:creationId xmlns:a16="http://schemas.microsoft.com/office/drawing/2014/main" id="{DE42378B-2E28-4810-8421-7A473A40E376}"/>
+              </a:ext>
+              <a:ext uri="{C183D7F6-B498-43B3-948B-1728B52AA6E4}">
+                <adec:decorative xmlns:adec="http://schemas.microsoft.com/office/drawing/2017/decorative" val="1"/>
+              </a:ext>
+            </a:extLst>
+          </p:cNvPr>
+          <p:cNvSpPr>
+            <a:spLocks noGrp="1" noRot="1" noChangeAspect="1" noMove="1" noResize="1" noEditPoints="1" noAdjustHandles="1" noChangeArrowheads="1" noChangeShapeType="1" noTextEdit="1"/>
+          </p:cNvSpPr>
+          <p:nvPr>
+            <p:extLst>
+              <p:ext uri="{386F3935-93C4-4BCD-93E2-E3B085C9AB24}">
+                <p16:designElem xmlns:p16="http://schemas.microsoft.com/office/powerpoint/2015/main" val="1"/>
+              </p:ext>
+            </p:extLst>
+          </p:nvPr>
+        </p:nvSpPr>
+        <p:spPr>
+          <a:xfrm>
+            <a:off x="11" y="4750737"/>
+            <a:ext cx="9143989" cy="49863"/>
+          </a:xfrm>
+          <a:prstGeom prst="rect">
+            <a:avLst/>
+          </a:prstGeom>
+          <a:solidFill>
+            <a:schemeClr val="accent1"/>
+          </a:solidFill>
+          <a:ln>
+            <a:noFill/>
+          </a:ln>
+        </p:spPr>
+        <p:style>
+          <a:lnRef idx="2">
+            <a:schemeClr val="accent1">
+              <a:shade val="50000"/>
+            </a:schemeClr>
+          </a:lnRef>
+          <a:fillRef idx="1">
+            <a:schemeClr val="accent1"/>
+          </a:fillRef>
+          <a:effectRef idx="0">
+            <a:schemeClr val="accent1"/>
+          </a:effectRef>
+          <a:fontRef idx="minor">
+            <a:schemeClr val="lt1"/>
+          </a:fontRef>
+        </p:style>
+      </p:sp>
+      <p:sp>
+        <p:nvSpPr>
+          <p:cNvPr id="177" name="Rectangle 176">
+            <a:extLst>
+              <a:ext uri="{FF2B5EF4-FFF2-40B4-BE49-F238E27FC236}">
+                <a16:creationId xmlns:a16="http://schemas.microsoft.com/office/drawing/2014/main" id="{0D91DD17-237F-4811-BC0E-128EB1BD7CFE}"/>
               </a:ext>
               <a:ext uri="{C183D7F6-B498-43B3-948B-1728B52AA6E4}">
                 <adec:decorative xmlns:adec="http://schemas.microsoft.com/office/drawing/2017/decorative" val="1"/>
@@ -19540,312 +20586,6 @@
           </a:fontRef>
         </p:style>
       </p:sp>
-      <p:sp>
-        <p:nvSpPr>
-          <p:cNvPr id="132" name="Rectangle 131">
-            <a:extLst>
-              <a:ext uri="{FF2B5EF4-FFF2-40B4-BE49-F238E27FC236}">
-                <a16:creationId xmlns:a16="http://schemas.microsoft.com/office/drawing/2014/main" id="{BA7A3698-B350-40E5-8475-9BCC41A089FC}"/>
-              </a:ext>
-              <a:ext uri="{C183D7F6-B498-43B3-948B-1728B52AA6E4}">
-                <adec:decorative xmlns:adec="http://schemas.microsoft.com/office/drawing/2017/decorative" val="1"/>
-              </a:ext>
-            </a:extLst>
-          </p:cNvPr>
-          <p:cNvSpPr>
-            <a:spLocks noGrp="1" noRot="1" noChangeAspect="1" noMove="1" noResize="1" noEditPoints="1" noAdjustHandles="1" noChangeArrowheads="1" noChangeShapeType="1" noTextEdit="1"/>
-          </p:cNvSpPr>
-          <p:nvPr>
-            <p:extLst>
-              <p:ext uri="{386F3935-93C4-4BCD-93E2-E3B085C9AB24}">
-                <p16:designElem xmlns:p16="http://schemas.microsoft.com/office/powerpoint/2015/main" val="1"/>
-              </p:ext>
-            </p:extLst>
-          </p:nvPr>
-        </p:nvSpPr>
-        <p:spPr>
-          <a:xfrm>
-            <a:off x="0" y="4750737"/>
-            <a:ext cx="9144000" cy="49498"/>
-          </a:xfrm>
-          <a:prstGeom prst="rect">
-            <a:avLst/>
-          </a:prstGeom>
-          <a:solidFill>
-            <a:schemeClr val="accent1"/>
-          </a:solidFill>
-          <a:ln>
-            <a:noFill/>
-          </a:ln>
-        </p:spPr>
-        <p:style>
-          <a:lnRef idx="2">
-            <a:schemeClr val="accent1">
-              <a:shade val="50000"/>
-            </a:schemeClr>
-          </a:lnRef>
-          <a:fillRef idx="1">
-            <a:schemeClr val="accent1"/>
-          </a:fillRef>
-          <a:effectRef idx="0">
-            <a:schemeClr val="accent1"/>
-          </a:effectRef>
-          <a:fontRef idx="minor">
-            <a:schemeClr val="lt1"/>
-          </a:fontRef>
-        </p:style>
-      </p:sp>
-      <p:cxnSp>
-        <p:nvCxnSpPr>
-          <p:cNvPr id="134" name="Straight Connector 133">
-            <a:extLst>
-              <a:ext uri="{FF2B5EF4-FFF2-40B4-BE49-F238E27FC236}">
-                <a16:creationId xmlns:a16="http://schemas.microsoft.com/office/drawing/2014/main" id="{0AC655C7-EC94-4BE6-84C8-2F9EFBBB2789}"/>
-              </a:ext>
-              <a:ext uri="{C183D7F6-B498-43B3-948B-1728B52AA6E4}">
-                <adec:decorative xmlns:adec="http://schemas.microsoft.com/office/drawing/2017/decorative" val="1"/>
-              </a:ext>
-            </a:extLst>
-          </p:cNvPr>
-          <p:cNvCxnSpPr>
-            <a:cxnSpLocks noGrp="1" noRot="1" noChangeAspect="1" noMove="1" noResize="1" noEditPoints="1" noAdjustHandles="1" noChangeArrowheads="1" noChangeShapeType="1"/>
-          </p:cNvCxnSpPr>
-          <p:nvPr>
-            <p:extLst>
-              <p:ext uri="{386F3935-93C4-4BCD-93E2-E3B085C9AB24}">
-                <p16:designElem xmlns:p16="http://schemas.microsoft.com/office/powerpoint/2015/main" val="1"/>
-              </p:ext>
-            </p:extLst>
-          </p:nvPr>
-        </p:nvCxnSpPr>
-        <p:spPr>
-          <a:xfrm>
-            <a:off x="895149" y="1303383"/>
-            <a:ext cx="7475220" cy="0"/>
-          </a:xfrm>
-          <a:prstGeom prst="line">
-            <a:avLst/>
-          </a:prstGeom>
-          <a:ln w="6350">
-            <a:solidFill>
-              <a:schemeClr val="tx1">
-                <a:lumMod val="50000"/>
-                <a:lumOff val="50000"/>
-              </a:schemeClr>
-            </a:solidFill>
-          </a:ln>
-        </p:spPr>
-        <p:style>
-          <a:lnRef idx="1">
-            <a:schemeClr val="accent1"/>
-          </a:lnRef>
-          <a:fillRef idx="0">
-            <a:schemeClr val="accent1"/>
-          </a:fillRef>
-          <a:effectRef idx="0">
-            <a:schemeClr val="accent1"/>
-          </a:effectRef>
-          <a:fontRef idx="minor">
-            <a:schemeClr val="tx1"/>
-          </a:fontRef>
-        </p:style>
-      </p:cxnSp>
-      <p:sp useBgFill="1">
-        <p:nvSpPr>
-          <p:cNvPr id="159" name="Rectangle 135">
-            <a:extLst>
-              <a:ext uri="{FF2B5EF4-FFF2-40B4-BE49-F238E27FC236}">
-                <a16:creationId xmlns:a16="http://schemas.microsoft.com/office/drawing/2014/main" id="{990D0034-F768-41E7-85D4-F38C4DE85770}"/>
-              </a:ext>
-              <a:ext uri="{C183D7F6-B498-43B3-948B-1728B52AA6E4}">
-                <adec:decorative xmlns:adec="http://schemas.microsoft.com/office/drawing/2017/decorative" val="1"/>
-              </a:ext>
-            </a:extLst>
-          </p:cNvPr>
-          <p:cNvSpPr>
-            <a:spLocks noGrp="1" noRot="1" noChangeAspect="1" noMove="1" noResize="1" noEditPoints="1" noAdjustHandles="1" noChangeArrowheads="1" noChangeShapeType="1" noTextEdit="1"/>
-          </p:cNvSpPr>
-          <p:nvPr>
-            <p:extLst>
-              <p:ext uri="{386F3935-93C4-4BCD-93E2-E3B085C9AB24}">
-                <p16:designElem xmlns:p16="http://schemas.microsoft.com/office/powerpoint/2015/main" val="1"/>
-              </p:ext>
-            </p:extLst>
-          </p:nvPr>
-        </p:nvSpPr>
-        <p:spPr>
-          <a:xfrm>
-            <a:off x="0" y="0"/>
-            <a:ext cx="9139736" cy="5143500"/>
-          </a:xfrm>
-          <a:prstGeom prst="rect">
-            <a:avLst/>
-          </a:prstGeom>
-          <a:ln>
-            <a:noFill/>
-          </a:ln>
-        </p:spPr>
-        <p:style>
-          <a:lnRef idx="2">
-            <a:schemeClr val="accent6">
-              <a:shade val="50000"/>
-            </a:schemeClr>
-          </a:lnRef>
-          <a:fillRef idx="1001">
-            <a:schemeClr val="lt1"/>
-          </a:fillRef>
-          <a:effectRef idx="0">
-            <a:schemeClr val="accent6"/>
-          </a:effectRef>
-          <a:fontRef idx="minor">
-            <a:schemeClr val="lt1"/>
-          </a:fontRef>
-        </p:style>
-        <p:txBody>
-          <a:bodyPr rtlCol="0" anchor="ctr"/>
-          <a:lstStyle/>
-          <a:p>
-            <a:pPr algn="ctr"/>
-            <a:endParaRPr lang="en-US"/>
-          </a:p>
-        </p:txBody>
-      </p:sp>
-      <p:sp>
-        <p:nvSpPr>
-          <p:cNvPr id="123" name="Google Shape;123;p24"/>
-          <p:cNvSpPr txBox="1">
-            <a:spLocks noGrp="1"/>
-          </p:cNvSpPr>
-          <p:nvPr>
-            <p:ph type="title"/>
-          </p:nvPr>
-        </p:nvSpPr>
-        <p:spPr>
-          <a:xfrm>
-            <a:off x="357808" y="387626"/>
-            <a:ext cx="2325102" cy="1577906"/>
-          </a:xfrm>
-          <a:prstGeom prst="rect">
-            <a:avLst/>
-          </a:prstGeom>
-        </p:spPr>
-        <p:txBody>
-          <a:bodyPr spcFirstLastPara="1" vert="horz" lIns="91440" tIns="45720" rIns="91440" bIns="45720" rtlCol="0" anchor="b" anchorCtr="0">
-            <a:normAutofit/>
-          </a:bodyPr>
-          <a:lstStyle/>
-          <a:p>
-            <a:pPr lvl="0" indent="0" defTabSz="914400">
-              <a:spcBef>
-                <a:spcPct val="0"/>
-              </a:spcBef>
-              <a:spcAft>
-                <a:spcPts val="0"/>
-              </a:spcAft>
-            </a:pPr>
-            <a:r>
-              <a:rPr lang="en-US" sz="2700" kern="1200" spc="-50" baseline="0" dirty="0">
-                <a:solidFill>
-                  <a:schemeClr val="tx1">
-                    <a:lumMod val="75000"/>
-                    <a:lumOff val="25000"/>
-                  </a:schemeClr>
-                </a:solidFill>
-                <a:latin typeface="+mj-lt"/>
-                <a:ea typeface="+mj-ea"/>
-                <a:cs typeface="+mj-cs"/>
-              </a:rPr>
-              <a:t>FINAL OUTPUT</a:t>
-            </a:r>
-          </a:p>
-        </p:txBody>
-      </p:sp>
-      <p:cxnSp>
-        <p:nvCxnSpPr>
-          <p:cNvPr id="160" name="Straight Connector 137">
-            <a:extLst>
-              <a:ext uri="{FF2B5EF4-FFF2-40B4-BE49-F238E27FC236}">
-                <a16:creationId xmlns:a16="http://schemas.microsoft.com/office/drawing/2014/main" id="{5A0A5CF6-407C-4691-8122-49DF69D0020D}"/>
-              </a:ext>
-              <a:ext uri="{C183D7F6-B498-43B3-948B-1728B52AA6E4}">
-                <adec:decorative xmlns:adec="http://schemas.microsoft.com/office/drawing/2017/decorative" val="1"/>
-              </a:ext>
-            </a:extLst>
-          </p:cNvPr>
-          <p:cNvCxnSpPr>
-            <a:cxnSpLocks noGrp="1" noRot="1" noChangeAspect="1" noMove="1" noResize="1" noEditPoints="1" noAdjustHandles="1" noChangeArrowheads="1" noChangeShapeType="1"/>
-          </p:cNvCxnSpPr>
-          <p:nvPr>
-            <p:extLst>
-              <p:ext uri="{386F3935-93C4-4BCD-93E2-E3B085C9AB24}">
-                <p16:designElem xmlns:p16="http://schemas.microsoft.com/office/powerpoint/2015/main" val="1"/>
-              </p:ext>
-            </p:extLst>
-          </p:nvPr>
-        </p:nvCxnSpPr>
-        <p:spPr>
-          <a:xfrm>
-            <a:off x="443195" y="1975471"/>
-            <a:ext cx="2057400" cy="0"/>
-          </a:xfrm>
-          <a:prstGeom prst="line">
-            <a:avLst/>
-          </a:prstGeom>
-          <a:ln w="6350">
-            <a:solidFill>
-              <a:schemeClr val="tx1">
-                <a:lumMod val="50000"/>
-                <a:lumOff val="50000"/>
-                <a:alpha val="90000"/>
-              </a:schemeClr>
-            </a:solidFill>
-          </a:ln>
-        </p:spPr>
-        <p:style>
-          <a:lnRef idx="1">
-            <a:schemeClr val="accent1"/>
-          </a:lnRef>
-          <a:fillRef idx="0">
-            <a:schemeClr val="accent1"/>
-          </a:fillRef>
-          <a:effectRef idx="0">
-            <a:schemeClr val="accent1"/>
-          </a:effectRef>
-          <a:fontRef idx="minor">
-            <a:schemeClr val="tx1"/>
-          </a:fontRef>
-        </p:style>
-      </p:cxnSp>
-      <p:pic>
-        <p:nvPicPr>
-          <p:cNvPr id="3" name="Picture 2" descr="Graphical user interface, text&#10;&#10;Description automatically generated">
-            <a:extLst>
-              <a:ext uri="{FF2B5EF4-FFF2-40B4-BE49-F238E27FC236}">
-                <a16:creationId xmlns:a16="http://schemas.microsoft.com/office/drawing/2014/main" id="{C54E662B-E4D2-4F2D-B97D-85ABEDF9F9F5}"/>
-              </a:ext>
-            </a:extLst>
-          </p:cNvPr>
-          <p:cNvPicPr>
-            <a:picLocks noChangeAspect="1"/>
-          </p:cNvPicPr>
-          <p:nvPr/>
-        </p:nvPicPr>
-        <p:blipFill>
-          <a:blip r:embed="rId3"/>
-          <a:stretch>
-            <a:fillRect/>
-          </a:stretch>
-        </p:blipFill>
-        <p:spPr>
-          <a:xfrm>
-            <a:off x="3323169" y="74431"/>
-            <a:ext cx="5584541" cy="4897619"/>
-          </a:xfrm>
-          <a:prstGeom prst="rect">
-            <a:avLst/>
-          </a:prstGeom>
-        </p:spPr>
-      </p:pic>
     </p:spTree>
   </p:cSld>
   <p:clrMapOvr>
@@ -19854,7 +20594,7 @@
 </p:sld>
 </file>
 
-<file path=ppt/slides/slide12.xml><?xml version="1.0" encoding="utf-8"?>
+<file path=ppt/slides/slide13.xml><?xml version="1.0" encoding="utf-8"?>
 <p:sld xmlns:a="http://schemas.openxmlformats.org/drawingml/2006/main" xmlns:r="http://schemas.openxmlformats.org/officeDocument/2006/relationships" xmlns:p="http://schemas.openxmlformats.org/presentationml/2006/main">
   <p:cSld>
     <p:bg>
@@ -20236,7 +20976,7 @@
 </p:sld>
 </file>
 
-<file path=ppt/slides/slide13.xml><?xml version="1.0" encoding="utf-8"?>
+<file path=ppt/slides/slide14.xml><?xml version="1.0" encoding="utf-8"?>
 <p:sld xmlns:a="http://schemas.openxmlformats.org/drawingml/2006/main" xmlns:r="http://schemas.openxmlformats.org/officeDocument/2006/relationships" xmlns:p="http://schemas.openxmlformats.org/presentationml/2006/main">
   <p:cSld>
     <p:spTree>
@@ -22768,47 +23508,14 @@
         </p:spPr>
         <p:txBody>
           <a:bodyPr spcFirstLastPara="1" vert="horz" lIns="0" tIns="45720" rIns="0" bIns="45720" rtlCol="0" anchor="ctr" anchorCtr="0">
-            <a:normAutofit/>
+            <a:normAutofit lnSpcReduction="10000"/>
           </a:bodyPr>
           <a:lstStyle/>
           <a:p>
             <a:pPr marL="457200" lvl="0" indent="-317182" defTabSz="914400">
-              <a:spcBef>
-                <a:spcPts val="0"/>
-              </a:spcBef>
-              <a:spcAft>
-                <a:spcPts val="0"/>
-              </a:spcAft>
-              <a:buSzPct val="100000"/>
-              <a:buFont typeface="Calibri" panose="020F0502020204030204" pitchFamily="34" charset="0"/>
-              <a:buChar char="❏"/>
-            </a:pPr>
-            <a:r>
-              <a:rPr lang="en-US" dirty="0"/>
-              <a:t>Temporal Memory</a:t>
-            </a:r>
-          </a:p>
-          <a:p>
-            <a:pPr marL="457200" lvl="0" indent="0" defTabSz="914400">
-              <a:spcBef>
-                <a:spcPts val="1200"/>
-              </a:spcBef>
-              <a:spcAft>
-                <a:spcPts val="0"/>
-              </a:spcAft>
-              <a:buFont typeface="Calibri" panose="020F0502020204030204" pitchFamily="34" charset="0"/>
-              <a:buNone/>
-            </a:pPr>
-            <a:r>
-              <a:rPr lang="en-US" dirty="0">
-                <a:sym typeface="Times New Roman"/>
-              </a:rPr>
-              <a:t>- An algorithm which learns sequences of Sparse Distributed Representations (SDRs) formed by the Spatial Pooling algorithm and makes predictions of what the next input SDR will be.  </a:t>
-            </a:r>
-            <a:endParaRPr lang="en-US" dirty="0"/>
-          </a:p>
-          <a:p>
-            <a:pPr marL="457200" lvl="0" indent="-317182" defTabSz="914400">
+              <a:lnSpc>
+                <a:spcPct val="100000"/>
+              </a:lnSpc>
               <a:spcBef>
                 <a:spcPts val="1200"/>
               </a:spcBef>
@@ -22819,6 +23526,12 @@
               <a:buFont typeface="Calibri" panose="020F0502020204030204" pitchFamily="34" charset="0"/>
               <a:buChar char="❏"/>
             </a:pPr>
+            <a:r>
+              <a:rPr lang="en-US" dirty="0">
+                <a:sym typeface="Times New Roman"/>
+              </a:rPr>
+              <a:t> </a:t>
+            </a:r>
             <a:r>
               <a:rPr lang="en-US" dirty="0"/>
               <a:t>Spatial Pooler</a:t>
@@ -22861,10 +23574,98 @@
               </a:rPr>
               <a:t>            functionality of the human brain</a:t>
             </a:r>
+          </a:p>
+          <a:p>
+            <a:pPr marL="0" indent="0" defTabSz="914400">
+              <a:lnSpc>
+                <a:spcPct val="100000"/>
+              </a:lnSpc>
+              <a:spcBef>
+                <a:spcPts val="600"/>
+              </a:spcBef>
+              <a:buNone/>
+            </a:pPr>
             <a:endParaRPr lang="en-US" dirty="0"/>
           </a:p>
           <a:p>
             <a:pPr marL="457200" lvl="0" indent="-317182" defTabSz="914400">
+              <a:lnSpc>
+                <a:spcPct val="100000"/>
+              </a:lnSpc>
+              <a:spcBef>
+                <a:spcPts val="0"/>
+              </a:spcBef>
+              <a:spcAft>
+                <a:spcPts val="0"/>
+              </a:spcAft>
+              <a:buSzPct val="100000"/>
+              <a:buFont typeface="Calibri" panose="020F0502020204030204" pitchFamily="34" charset="0"/>
+              <a:buChar char="❏"/>
+            </a:pPr>
+            <a:r>
+              <a:rPr lang="en-US" dirty="0"/>
+              <a:t>Encoder</a:t>
+            </a:r>
+          </a:p>
+          <a:p>
+            <a:pPr marL="140018" lvl="0" indent="0" defTabSz="914400">
+              <a:lnSpc>
+                <a:spcPct val="100000"/>
+              </a:lnSpc>
+              <a:spcBef>
+                <a:spcPts val="0"/>
+              </a:spcBef>
+              <a:spcAft>
+                <a:spcPts val="0"/>
+              </a:spcAft>
+              <a:buSzPct val="100000"/>
+              <a:buNone/>
+            </a:pPr>
+            <a:endParaRPr lang="en-US" dirty="0"/>
+          </a:p>
+          <a:p>
+            <a:pPr marL="140018" lvl="0" indent="0" defTabSz="914400">
+              <a:lnSpc>
+                <a:spcPct val="100000"/>
+              </a:lnSpc>
+              <a:spcBef>
+                <a:spcPts val="0"/>
+              </a:spcBef>
+              <a:spcAft>
+                <a:spcPts val="0"/>
+              </a:spcAft>
+              <a:buSzPct val="100000"/>
+              <a:buNone/>
+            </a:pPr>
+            <a:r>
+              <a:rPr lang="en-US" dirty="0"/>
+              <a:t>       - Converts arbitrary inputs into a format that an HTM can understand</a:t>
+            </a:r>
+          </a:p>
+          <a:p>
+            <a:pPr marL="140018" lvl="0" indent="0" defTabSz="914400">
+              <a:lnSpc>
+                <a:spcPct val="100000"/>
+              </a:lnSpc>
+              <a:spcBef>
+                <a:spcPts val="0"/>
+              </a:spcBef>
+              <a:spcAft>
+                <a:spcPts val="0"/>
+              </a:spcAft>
+              <a:buSzPct val="100000"/>
+              <a:buNone/>
+            </a:pPr>
+            <a:r>
+              <a:rPr lang="en-US" dirty="0"/>
+              <a:t>       - Convert data sources into SDRs without altering the    semantic content. </a:t>
+            </a:r>
+          </a:p>
+          <a:p>
+            <a:pPr marL="457200" lvl="0" indent="-317182" defTabSz="914400">
+              <a:lnSpc>
+                <a:spcPct val="100000"/>
+              </a:lnSpc>
               <a:spcBef>
                 <a:spcPts val="1200"/>
               </a:spcBef>
@@ -22882,6 +23683,9 @@
           </a:p>
           <a:p>
             <a:pPr marL="457200" lvl="0" indent="0" defTabSz="914400">
+              <a:lnSpc>
+                <a:spcPct val="100000"/>
+              </a:lnSpc>
               <a:spcBef>
                 <a:spcPts val="1200"/>
               </a:spcBef>
@@ -22900,6 +23704,9 @@
           </a:p>
           <a:p>
             <a:pPr marL="457200" lvl="0" indent="0" defTabSz="914400">
+              <a:lnSpc>
+                <a:spcPct val="100000"/>
+              </a:lnSpc>
               <a:spcBef>
                 <a:spcPts val="1200"/>
               </a:spcBef>
@@ -22915,19 +23722,6 @@
               </a:rPr>
               <a:t>-Essentially reducing the information contained within the image from 256 shades of gray to 2: black and white, a binary image.</a:t>
             </a:r>
-          </a:p>
-          <a:p>
-            <a:pPr marL="457200" lvl="0" indent="0" defTabSz="914400">
-              <a:spcBef>
-                <a:spcPts val="1200"/>
-              </a:spcBef>
-              <a:spcAft>
-                <a:spcPts val="1200"/>
-              </a:spcAft>
-              <a:buFont typeface="Calibri" panose="020F0502020204030204" pitchFamily="34" charset="0"/>
-              <a:buNone/>
-            </a:pPr>
-            <a:endParaRPr lang="en-US" dirty="0"/>
           </a:p>
         </p:txBody>
       </p:sp>
@@ -23556,10 +24350,442 @@
       </p:grpSpPr>
       <p:sp>
         <p:nvSpPr>
-          <p:cNvPr id="111" name="Rectangle 110">
+          <p:cNvPr id="137" name="Rectangle 123">
             <a:extLst>
               <a:ext uri="{FF2B5EF4-FFF2-40B4-BE49-F238E27FC236}">
-                <a16:creationId xmlns:a16="http://schemas.microsoft.com/office/drawing/2014/main" id="{600B5AE2-C5CC-499C-8F2D-249888BE22C2}"/>
+                <a16:creationId xmlns:a16="http://schemas.microsoft.com/office/drawing/2014/main" id="{4E4490D0-3672-446A-AC12-B4830333BDDD}"/>
+              </a:ext>
+              <a:ext uri="{C183D7F6-B498-43B3-948B-1728B52AA6E4}">
+                <adec:decorative xmlns:adec="http://schemas.microsoft.com/office/drawing/2017/decorative" val="1"/>
+              </a:ext>
+            </a:extLst>
+          </p:cNvPr>
+          <p:cNvSpPr>
+            <a:spLocks noGrp="1" noRot="1" noChangeAspect="1" noMove="1" noResize="1" noEditPoints="1" noAdjustHandles="1" noChangeArrowheads="1" noChangeShapeType="1" noTextEdit="1"/>
+          </p:cNvSpPr>
+          <p:nvPr>
+            <p:extLst>
+              <p:ext uri="{386F3935-93C4-4BCD-93E2-E3B085C9AB24}">
+                <p16:designElem xmlns:p16="http://schemas.microsoft.com/office/powerpoint/2015/main" val="1"/>
+              </p:ext>
+            </p:extLst>
+          </p:nvPr>
+        </p:nvSpPr>
+        <p:spPr>
+          <a:xfrm>
+            <a:off x="2381" y="4800600"/>
+            <a:ext cx="9141619" cy="342900"/>
+          </a:xfrm>
+          <a:prstGeom prst="rect">
+            <a:avLst/>
+          </a:prstGeom>
+          <a:solidFill>
+            <a:schemeClr val="accent2"/>
+          </a:solidFill>
+          <a:ln>
+            <a:noFill/>
+          </a:ln>
+        </p:spPr>
+        <p:style>
+          <a:lnRef idx="2">
+            <a:schemeClr val="accent1">
+              <a:shade val="50000"/>
+            </a:schemeClr>
+          </a:lnRef>
+          <a:fillRef idx="1">
+            <a:schemeClr val="accent1"/>
+          </a:fillRef>
+          <a:effectRef idx="0">
+            <a:schemeClr val="accent1"/>
+          </a:effectRef>
+          <a:fontRef idx="minor">
+            <a:schemeClr val="lt1"/>
+          </a:fontRef>
+        </p:style>
+      </p:sp>
+      <p:sp>
+        <p:nvSpPr>
+          <p:cNvPr id="138" name="Rectangle 125">
+            <a:extLst>
+              <a:ext uri="{FF2B5EF4-FFF2-40B4-BE49-F238E27FC236}">
+                <a16:creationId xmlns:a16="http://schemas.microsoft.com/office/drawing/2014/main" id="{39CB82C2-DF65-4EC1-8280-F201D50F570B}"/>
+              </a:ext>
+              <a:ext uri="{C183D7F6-B498-43B3-948B-1728B52AA6E4}">
+                <adec:decorative xmlns:adec="http://schemas.microsoft.com/office/drawing/2017/decorative" val="1"/>
+              </a:ext>
+            </a:extLst>
+          </p:cNvPr>
+          <p:cNvSpPr>
+            <a:spLocks noGrp="1" noRot="1" noChangeAspect="1" noMove="1" noResize="1" noEditPoints="1" noAdjustHandles="1" noChangeArrowheads="1" noChangeShapeType="1" noTextEdit="1"/>
+          </p:cNvSpPr>
+          <p:nvPr>
+            <p:extLst>
+              <p:ext uri="{386F3935-93C4-4BCD-93E2-E3B085C9AB24}">
+                <p16:designElem xmlns:p16="http://schemas.microsoft.com/office/powerpoint/2015/main" val="1"/>
+              </p:ext>
+            </p:extLst>
+          </p:nvPr>
+        </p:nvSpPr>
+        <p:spPr>
+          <a:xfrm>
+            <a:off x="11" y="4750737"/>
+            <a:ext cx="9141619" cy="48006"/>
+          </a:xfrm>
+          <a:prstGeom prst="rect">
+            <a:avLst/>
+          </a:prstGeom>
+          <a:solidFill>
+            <a:schemeClr val="accent1"/>
+          </a:solidFill>
+          <a:ln>
+            <a:noFill/>
+          </a:ln>
+        </p:spPr>
+        <p:style>
+          <a:lnRef idx="2">
+            <a:schemeClr val="accent1">
+              <a:shade val="50000"/>
+            </a:schemeClr>
+          </a:lnRef>
+          <a:fillRef idx="1">
+            <a:schemeClr val="accent1"/>
+          </a:fillRef>
+          <a:effectRef idx="0">
+            <a:schemeClr val="accent1"/>
+          </a:effectRef>
+          <a:fontRef idx="minor">
+            <a:schemeClr val="lt1"/>
+          </a:fontRef>
+        </p:style>
+      </p:sp>
+      <p:cxnSp>
+        <p:nvCxnSpPr>
+          <p:cNvPr id="139" name="Straight Connector 127">
+            <a:extLst>
+              <a:ext uri="{FF2B5EF4-FFF2-40B4-BE49-F238E27FC236}">
+                <a16:creationId xmlns:a16="http://schemas.microsoft.com/office/drawing/2014/main" id="{7E1D4427-852B-4B37-8E76-0E9F1810BA2A}"/>
+              </a:ext>
+              <a:ext uri="{C183D7F6-B498-43B3-948B-1728B52AA6E4}">
+                <adec:decorative xmlns:adec="http://schemas.microsoft.com/office/drawing/2017/decorative" val="1"/>
+              </a:ext>
+            </a:extLst>
+          </p:cNvPr>
+          <p:cNvCxnSpPr>
+            <a:cxnSpLocks noGrp="1" noRot="1" noChangeAspect="1" noMove="1" noResize="1" noEditPoints="1" noAdjustHandles="1" noChangeArrowheads="1" noChangeShapeType="1"/>
+          </p:cNvCxnSpPr>
+          <p:nvPr>
+            <p:extLst>
+              <p:ext uri="{386F3935-93C4-4BCD-93E2-E3B085C9AB24}">
+                <p16:designElem xmlns:p16="http://schemas.microsoft.com/office/powerpoint/2015/main" val="1"/>
+              </p:ext>
+            </p:extLst>
+          </p:nvPr>
+        </p:nvCxnSpPr>
+        <p:spPr>
+          <a:xfrm>
+            <a:off x="905743" y="3257550"/>
+            <a:ext cx="7406640" cy="0"/>
+          </a:xfrm>
+          <a:prstGeom prst="line">
+            <a:avLst/>
+          </a:prstGeom>
+          <a:ln w="6350">
+            <a:solidFill>
+              <a:schemeClr val="tx1">
+                <a:lumMod val="50000"/>
+                <a:lumOff val="50000"/>
+              </a:schemeClr>
+            </a:solidFill>
+          </a:ln>
+        </p:spPr>
+        <p:style>
+          <a:lnRef idx="1">
+            <a:schemeClr val="accent1"/>
+          </a:lnRef>
+          <a:fillRef idx="0">
+            <a:schemeClr val="accent1"/>
+          </a:fillRef>
+          <a:effectRef idx="0">
+            <a:schemeClr val="accent1"/>
+          </a:effectRef>
+          <a:fontRef idx="minor">
+            <a:schemeClr val="tx1"/>
+          </a:fontRef>
+        </p:style>
+      </p:cxnSp>
+      <p:sp useBgFill="1">
+        <p:nvSpPr>
+          <p:cNvPr id="140" name="Rectangle 129">
+            <a:extLst>
+              <a:ext uri="{FF2B5EF4-FFF2-40B4-BE49-F238E27FC236}">
+                <a16:creationId xmlns:a16="http://schemas.microsoft.com/office/drawing/2014/main" id="{C4AAA502-5435-489E-9538-3A40E6C71461}"/>
+              </a:ext>
+              <a:ext uri="{C183D7F6-B498-43B3-948B-1728B52AA6E4}">
+                <adec:decorative xmlns:adec="http://schemas.microsoft.com/office/drawing/2017/decorative" val="1"/>
+              </a:ext>
+            </a:extLst>
+          </p:cNvPr>
+          <p:cNvSpPr>
+            <a:spLocks noGrp="1" noRot="1" noChangeAspect="1" noMove="1" noResize="1" noEditPoints="1" noAdjustHandles="1" noChangeArrowheads="1" noChangeShapeType="1" noTextEdit="1"/>
+          </p:cNvSpPr>
+          <p:nvPr>
+            <p:extLst>
+              <p:ext uri="{386F3935-93C4-4BCD-93E2-E3B085C9AB24}">
+                <p16:designElem xmlns:p16="http://schemas.microsoft.com/office/powerpoint/2015/main" val="1"/>
+              </p:ext>
+            </p:extLst>
+          </p:nvPr>
+        </p:nvSpPr>
+        <p:spPr>
+          <a:xfrm>
+            <a:off x="0" y="0"/>
+            <a:ext cx="9144000" cy="4750737"/>
+          </a:xfrm>
+          <a:prstGeom prst="rect">
+            <a:avLst/>
+          </a:prstGeom>
+          <a:ln>
+            <a:noFill/>
+          </a:ln>
+        </p:spPr>
+        <p:style>
+          <a:lnRef idx="2">
+            <a:schemeClr val="accent1">
+              <a:shade val="50000"/>
+            </a:schemeClr>
+          </a:lnRef>
+          <a:fillRef idx="1">
+            <a:schemeClr val="accent1"/>
+          </a:fillRef>
+          <a:effectRef idx="0">
+            <a:schemeClr val="accent1"/>
+          </a:effectRef>
+          <a:fontRef idx="minor">
+            <a:schemeClr val="lt1"/>
+          </a:fontRef>
+        </p:style>
+        <p:txBody>
+          <a:bodyPr rtlCol="0" anchor="ctr"/>
+          <a:lstStyle/>
+          <a:p>
+            <a:pPr algn="ctr"/>
+            <a:endParaRPr lang="en-US"/>
+          </a:p>
+        </p:txBody>
+      </p:sp>
+      <p:sp>
+        <p:nvSpPr>
+          <p:cNvPr id="104" name="Google Shape;104;p21"/>
+          <p:cNvSpPr txBox="1">
+            <a:spLocks noGrp="1"/>
+          </p:cNvSpPr>
+          <p:nvPr>
+            <p:ph type="title"/>
+          </p:nvPr>
+        </p:nvSpPr>
+        <p:spPr>
+          <a:xfrm>
+            <a:off x="475499" y="3412671"/>
+            <a:ext cx="8181805" cy="793242"/>
+          </a:xfrm>
+          <a:prstGeom prst="rect">
+            <a:avLst/>
+          </a:prstGeom>
+        </p:spPr>
+        <p:txBody>
+          <a:bodyPr spcFirstLastPara="1" vert="horz" lIns="91440" tIns="45720" rIns="91440" bIns="45720" rtlCol="0" anchor="b" anchorCtr="0">
+            <a:normAutofit/>
+          </a:bodyPr>
+          <a:lstStyle/>
+          <a:p>
+            <a:pPr lvl="0" indent="0" defTabSz="914400">
+              <a:spcBef>
+                <a:spcPct val="0"/>
+              </a:spcBef>
+              <a:spcAft>
+                <a:spcPts val="0"/>
+              </a:spcAft>
+            </a:pPr>
+            <a:r>
+              <a:rPr lang="en-US" sz="2500" spc="-50">
+                <a:solidFill>
+                  <a:schemeClr val="tx1">
+                    <a:lumMod val="85000"/>
+                    <a:lumOff val="15000"/>
+                  </a:schemeClr>
+                </a:solidFill>
+              </a:rPr>
+              <a:t>Case 1:  SIMILARITY MATRIX</a:t>
+            </a:r>
+            <a:br>
+              <a:rPr lang="en-US" sz="2500" spc="-50">
+                <a:solidFill>
+                  <a:schemeClr val="tx1">
+                    <a:lumMod val="85000"/>
+                    <a:lumOff val="15000"/>
+                  </a:schemeClr>
+                </a:solidFill>
+              </a:rPr>
+            </a:br>
+            <a:r>
+              <a:rPr lang="en-US" sz="2500" spc="-50">
+                <a:solidFill>
+                  <a:schemeClr val="tx1">
+                    <a:lumMod val="85000"/>
+                    <a:lumOff val="15000"/>
+                  </a:schemeClr>
+                </a:solidFill>
+              </a:rPr>
+              <a:t>Micro Correlation </a:t>
+            </a:r>
+          </a:p>
+        </p:txBody>
+      </p:sp>
+      <p:pic>
+        <p:nvPicPr>
+          <p:cNvPr id="4" name="Picture 3" descr="Text&#10;&#10;Description automatically generated">
+            <a:extLst>
+              <a:ext uri="{FF2B5EF4-FFF2-40B4-BE49-F238E27FC236}">
+                <a16:creationId xmlns:a16="http://schemas.microsoft.com/office/drawing/2014/main" id="{15AF1B0A-06DE-4491-A185-69DBCEB33A28}"/>
+              </a:ext>
+            </a:extLst>
+          </p:cNvPr>
+          <p:cNvPicPr>
+            <a:picLocks noChangeAspect="1"/>
+          </p:cNvPicPr>
+          <p:nvPr/>
+        </p:nvPicPr>
+        <p:blipFill>
+          <a:blip r:embed="rId3"/>
+          <a:stretch>
+            <a:fillRect/>
+          </a:stretch>
+        </p:blipFill>
+        <p:spPr>
+          <a:xfrm>
+            <a:off x="476592" y="1360428"/>
+            <a:ext cx="8187348" cy="1821684"/>
+          </a:xfrm>
+          <a:prstGeom prst="rect">
+            <a:avLst/>
+          </a:prstGeom>
+        </p:spPr>
+      </p:pic>
+      <p:cxnSp>
+        <p:nvCxnSpPr>
+          <p:cNvPr id="141" name="Straight Connector 131">
+            <a:extLst>
+              <a:ext uri="{FF2B5EF4-FFF2-40B4-BE49-F238E27FC236}">
+                <a16:creationId xmlns:a16="http://schemas.microsoft.com/office/drawing/2014/main" id="{C9AC0290-4702-4519-B0F4-C2A46880997B}"/>
+              </a:ext>
+              <a:ext uri="{C183D7F6-B498-43B3-948B-1728B52AA6E4}">
+                <adec:decorative xmlns:adec="http://schemas.microsoft.com/office/drawing/2017/decorative" val="1"/>
+              </a:ext>
+            </a:extLst>
+          </p:cNvPr>
+          <p:cNvCxnSpPr>
+            <a:cxnSpLocks noGrp="1" noRot="1" noChangeAspect="1" noMove="1" noResize="1" noEditPoints="1" noAdjustHandles="1" noChangeArrowheads="1" noChangeShapeType="1"/>
+          </p:cNvCxnSpPr>
+          <p:nvPr>
+            <p:extLst>
+              <p:ext uri="{386F3935-93C4-4BCD-93E2-E3B085C9AB24}">
+                <p16:designElem xmlns:p16="http://schemas.microsoft.com/office/powerpoint/2015/main" val="1"/>
+              </p:ext>
+            </p:extLst>
+          </p:nvPr>
+        </p:nvCxnSpPr>
+        <p:spPr>
+          <a:xfrm>
+            <a:off x="540814" y="4214077"/>
+            <a:ext cx="7886700" cy="0"/>
+          </a:xfrm>
+          <a:prstGeom prst="line">
+            <a:avLst/>
+          </a:prstGeom>
+          <a:ln w="6350">
+            <a:solidFill>
+              <a:schemeClr val="tx2">
+                <a:alpha val="90000"/>
+              </a:schemeClr>
+            </a:solidFill>
+          </a:ln>
+        </p:spPr>
+        <p:style>
+          <a:lnRef idx="1">
+            <a:schemeClr val="accent1"/>
+          </a:lnRef>
+          <a:fillRef idx="0">
+            <a:schemeClr val="accent1"/>
+          </a:fillRef>
+          <a:effectRef idx="0">
+            <a:schemeClr val="accent1"/>
+          </a:effectRef>
+          <a:fontRef idx="minor">
+            <a:schemeClr val="tx1"/>
+          </a:fontRef>
+        </p:style>
+      </p:cxnSp>
+      <p:sp>
+        <p:nvSpPr>
+          <p:cNvPr id="142" name="Rectangle 133">
+            <a:extLst>
+              <a:ext uri="{FF2B5EF4-FFF2-40B4-BE49-F238E27FC236}">
+                <a16:creationId xmlns:a16="http://schemas.microsoft.com/office/drawing/2014/main" id="{DE42378B-2E28-4810-8421-7A473A40E376}"/>
+              </a:ext>
+              <a:ext uri="{C183D7F6-B498-43B3-948B-1728B52AA6E4}">
+                <adec:decorative xmlns:adec="http://schemas.microsoft.com/office/drawing/2017/decorative" val="1"/>
+              </a:ext>
+            </a:extLst>
+          </p:cNvPr>
+          <p:cNvSpPr>
+            <a:spLocks noGrp="1" noRot="1" noChangeAspect="1" noMove="1" noResize="1" noEditPoints="1" noAdjustHandles="1" noChangeArrowheads="1" noChangeShapeType="1" noTextEdit="1"/>
+          </p:cNvSpPr>
+          <p:nvPr>
+            <p:extLst>
+              <p:ext uri="{386F3935-93C4-4BCD-93E2-E3B085C9AB24}">
+                <p16:designElem xmlns:p16="http://schemas.microsoft.com/office/powerpoint/2015/main" val="1"/>
+              </p:ext>
+            </p:extLst>
+          </p:nvPr>
+        </p:nvSpPr>
+        <p:spPr>
+          <a:xfrm>
+            <a:off x="11" y="4750737"/>
+            <a:ext cx="9143989" cy="49863"/>
+          </a:xfrm>
+          <a:prstGeom prst="rect">
+            <a:avLst/>
+          </a:prstGeom>
+          <a:solidFill>
+            <a:schemeClr val="accent1"/>
+          </a:solidFill>
+          <a:ln>
+            <a:noFill/>
+          </a:ln>
+        </p:spPr>
+        <p:style>
+          <a:lnRef idx="2">
+            <a:schemeClr val="accent1">
+              <a:shade val="50000"/>
+            </a:schemeClr>
+          </a:lnRef>
+          <a:fillRef idx="1">
+            <a:schemeClr val="accent1"/>
+          </a:fillRef>
+          <a:effectRef idx="0">
+            <a:schemeClr val="accent1"/>
+          </a:effectRef>
+          <a:fontRef idx="minor">
+            <a:schemeClr val="lt1"/>
+          </a:fontRef>
+        </p:style>
+      </p:sp>
+      <p:sp>
+        <p:nvSpPr>
+          <p:cNvPr id="136" name="Rectangle 135">
+            <a:extLst>
+              <a:ext uri="{FF2B5EF4-FFF2-40B4-BE49-F238E27FC236}">
+                <a16:creationId xmlns:a16="http://schemas.microsoft.com/office/drawing/2014/main" id="{0D91DD17-237F-4811-BC0E-128EB1BD7CFE}"/>
               </a:ext>
               <a:ext uri="{C183D7F6-B498-43B3-948B-1728B52AA6E4}">
                 <adec:decorative xmlns:adec="http://schemas.microsoft.com/office/drawing/2017/decorative" val="1"/>
@@ -23609,308 +24835,6 @@
           </a:fontRef>
         </p:style>
       </p:sp>
-      <p:sp>
-        <p:nvSpPr>
-          <p:cNvPr id="113" name="Rectangle 112">
-            <a:extLst>
-              <a:ext uri="{FF2B5EF4-FFF2-40B4-BE49-F238E27FC236}">
-                <a16:creationId xmlns:a16="http://schemas.microsoft.com/office/drawing/2014/main" id="{BA7A3698-B350-40E5-8475-9BCC41A089FC}"/>
-              </a:ext>
-              <a:ext uri="{C183D7F6-B498-43B3-948B-1728B52AA6E4}">
-                <adec:decorative xmlns:adec="http://schemas.microsoft.com/office/drawing/2017/decorative" val="1"/>
-              </a:ext>
-            </a:extLst>
-          </p:cNvPr>
-          <p:cNvSpPr>
-            <a:spLocks noGrp="1" noRot="1" noChangeAspect="1" noMove="1" noResize="1" noEditPoints="1" noAdjustHandles="1" noChangeArrowheads="1" noChangeShapeType="1" noTextEdit="1"/>
-          </p:cNvSpPr>
-          <p:nvPr>
-            <p:extLst>
-              <p:ext uri="{386F3935-93C4-4BCD-93E2-E3B085C9AB24}">
-                <p16:designElem xmlns:p16="http://schemas.microsoft.com/office/powerpoint/2015/main" val="1"/>
-              </p:ext>
-            </p:extLst>
-          </p:nvPr>
-        </p:nvSpPr>
-        <p:spPr>
-          <a:xfrm>
-            <a:off x="0" y="4750737"/>
-            <a:ext cx="9144000" cy="49498"/>
-          </a:xfrm>
-          <a:prstGeom prst="rect">
-            <a:avLst/>
-          </a:prstGeom>
-          <a:solidFill>
-            <a:schemeClr val="accent1"/>
-          </a:solidFill>
-          <a:ln>
-            <a:noFill/>
-          </a:ln>
-        </p:spPr>
-        <p:style>
-          <a:lnRef idx="2">
-            <a:schemeClr val="accent1">
-              <a:shade val="50000"/>
-            </a:schemeClr>
-          </a:lnRef>
-          <a:fillRef idx="1">
-            <a:schemeClr val="accent1"/>
-          </a:fillRef>
-          <a:effectRef idx="0">
-            <a:schemeClr val="accent1"/>
-          </a:effectRef>
-          <a:fontRef idx="minor">
-            <a:schemeClr val="lt1"/>
-          </a:fontRef>
-        </p:style>
-      </p:sp>
-      <p:cxnSp>
-        <p:nvCxnSpPr>
-          <p:cNvPr id="115" name="Straight Connector 114">
-            <a:extLst>
-              <a:ext uri="{FF2B5EF4-FFF2-40B4-BE49-F238E27FC236}">
-                <a16:creationId xmlns:a16="http://schemas.microsoft.com/office/drawing/2014/main" id="{0AC655C7-EC94-4BE6-84C8-2F9EFBBB2789}"/>
-              </a:ext>
-              <a:ext uri="{C183D7F6-B498-43B3-948B-1728B52AA6E4}">
-                <adec:decorative xmlns:adec="http://schemas.microsoft.com/office/drawing/2017/decorative" val="1"/>
-              </a:ext>
-            </a:extLst>
-          </p:cNvPr>
-          <p:cNvCxnSpPr>
-            <a:cxnSpLocks noGrp="1" noRot="1" noChangeAspect="1" noMove="1" noResize="1" noEditPoints="1" noAdjustHandles="1" noChangeArrowheads="1" noChangeShapeType="1"/>
-          </p:cNvCxnSpPr>
-          <p:nvPr>
-            <p:extLst>
-              <p:ext uri="{386F3935-93C4-4BCD-93E2-E3B085C9AB24}">
-                <p16:designElem xmlns:p16="http://schemas.microsoft.com/office/powerpoint/2015/main" val="1"/>
-              </p:ext>
-            </p:extLst>
-          </p:nvPr>
-        </p:nvCxnSpPr>
-        <p:spPr>
-          <a:xfrm>
-            <a:off x="895149" y="1303383"/>
-            <a:ext cx="7475220" cy="0"/>
-          </a:xfrm>
-          <a:prstGeom prst="line">
-            <a:avLst/>
-          </a:prstGeom>
-          <a:ln w="6350">
-            <a:solidFill>
-              <a:schemeClr val="tx1">
-                <a:lumMod val="50000"/>
-                <a:lumOff val="50000"/>
-              </a:schemeClr>
-            </a:solidFill>
-          </a:ln>
-        </p:spPr>
-        <p:style>
-          <a:lnRef idx="1">
-            <a:schemeClr val="accent1"/>
-          </a:lnRef>
-          <a:fillRef idx="0">
-            <a:schemeClr val="accent1"/>
-          </a:fillRef>
-          <a:effectRef idx="0">
-            <a:schemeClr val="accent1"/>
-          </a:effectRef>
-          <a:fontRef idx="minor">
-            <a:schemeClr val="tx1"/>
-          </a:fontRef>
-        </p:style>
-      </p:cxnSp>
-      <p:sp useBgFill="1">
-        <p:nvSpPr>
-          <p:cNvPr id="117" name="Rectangle 116">
-            <a:extLst>
-              <a:ext uri="{FF2B5EF4-FFF2-40B4-BE49-F238E27FC236}">
-                <a16:creationId xmlns:a16="http://schemas.microsoft.com/office/drawing/2014/main" id="{990D0034-F768-41E7-85D4-F38C4DE85770}"/>
-              </a:ext>
-              <a:ext uri="{C183D7F6-B498-43B3-948B-1728B52AA6E4}">
-                <adec:decorative xmlns:adec="http://schemas.microsoft.com/office/drawing/2017/decorative" val="1"/>
-              </a:ext>
-            </a:extLst>
-          </p:cNvPr>
-          <p:cNvSpPr>
-            <a:spLocks noGrp="1" noRot="1" noChangeAspect="1" noMove="1" noResize="1" noEditPoints="1" noAdjustHandles="1" noChangeArrowheads="1" noChangeShapeType="1" noTextEdit="1"/>
-          </p:cNvSpPr>
-          <p:nvPr>
-            <p:extLst>
-              <p:ext uri="{386F3935-93C4-4BCD-93E2-E3B085C9AB24}">
-                <p16:designElem xmlns:p16="http://schemas.microsoft.com/office/powerpoint/2015/main" val="1"/>
-              </p:ext>
-            </p:extLst>
-          </p:nvPr>
-        </p:nvSpPr>
-        <p:spPr>
-          <a:xfrm>
-            <a:off x="0" y="0"/>
-            <a:ext cx="9139736" cy="5143500"/>
-          </a:xfrm>
-          <a:prstGeom prst="rect">
-            <a:avLst/>
-          </a:prstGeom>
-          <a:ln>
-            <a:noFill/>
-          </a:ln>
-        </p:spPr>
-        <p:style>
-          <a:lnRef idx="2">
-            <a:schemeClr val="accent6">
-              <a:shade val="50000"/>
-            </a:schemeClr>
-          </a:lnRef>
-          <a:fillRef idx="1001">
-            <a:schemeClr val="lt1"/>
-          </a:fillRef>
-          <a:effectRef idx="0">
-            <a:schemeClr val="accent6"/>
-          </a:effectRef>
-          <a:fontRef idx="minor">
-            <a:schemeClr val="lt1"/>
-          </a:fontRef>
-        </p:style>
-        <p:txBody>
-          <a:bodyPr rtlCol="0" anchor="ctr"/>
-          <a:lstStyle/>
-          <a:p>
-            <a:pPr algn="ctr"/>
-            <a:endParaRPr lang="en-US"/>
-          </a:p>
-        </p:txBody>
-      </p:sp>
-      <p:sp>
-        <p:nvSpPr>
-          <p:cNvPr id="104" name="Google Shape;104;p21"/>
-          <p:cNvSpPr txBox="1">
-            <a:spLocks noGrp="1"/>
-          </p:cNvSpPr>
-          <p:nvPr>
-            <p:ph type="title"/>
-          </p:nvPr>
-        </p:nvSpPr>
-        <p:spPr>
-          <a:xfrm>
-            <a:off x="357808" y="387626"/>
-            <a:ext cx="2325102" cy="1577906"/>
-          </a:xfrm>
-          <a:prstGeom prst="rect">
-            <a:avLst/>
-          </a:prstGeom>
-        </p:spPr>
-        <p:txBody>
-          <a:bodyPr spcFirstLastPara="1" vert="horz" lIns="91440" tIns="45720" rIns="91440" bIns="45720" rtlCol="0" anchor="b" anchorCtr="0">
-            <a:normAutofit/>
-          </a:bodyPr>
-          <a:lstStyle/>
-          <a:p>
-            <a:pPr lvl="0" indent="0" defTabSz="914400">
-              <a:spcBef>
-                <a:spcPct val="0"/>
-              </a:spcBef>
-              <a:spcAft>
-                <a:spcPts val="0"/>
-              </a:spcAft>
-            </a:pPr>
-            <a:r>
-              <a:rPr lang="en-US" sz="2700" kern="1200" spc="-50" baseline="0" dirty="0">
-                <a:solidFill>
-                  <a:schemeClr val="tx1"/>
-                </a:solidFill>
-                <a:latin typeface="Calibri Light (Headings)"/>
-                <a:cs typeface="Times New Roman" panose="02020603050405020304" pitchFamily="18" charset="0"/>
-              </a:rPr>
-              <a:t>Case 1:  SIMILARITY MATRIX </a:t>
-            </a:r>
-          </a:p>
-        </p:txBody>
-      </p:sp>
-      <p:cxnSp>
-        <p:nvCxnSpPr>
-          <p:cNvPr id="119" name="Straight Connector 118">
-            <a:extLst>
-              <a:ext uri="{FF2B5EF4-FFF2-40B4-BE49-F238E27FC236}">
-                <a16:creationId xmlns:a16="http://schemas.microsoft.com/office/drawing/2014/main" id="{5A0A5CF6-407C-4691-8122-49DF69D0020D}"/>
-              </a:ext>
-              <a:ext uri="{C183D7F6-B498-43B3-948B-1728B52AA6E4}">
-                <adec:decorative xmlns:adec="http://schemas.microsoft.com/office/drawing/2017/decorative" val="1"/>
-              </a:ext>
-            </a:extLst>
-          </p:cNvPr>
-          <p:cNvCxnSpPr>
-            <a:cxnSpLocks noGrp="1" noRot="1" noChangeAspect="1" noMove="1" noResize="1" noEditPoints="1" noAdjustHandles="1" noChangeArrowheads="1" noChangeShapeType="1"/>
-          </p:cNvCxnSpPr>
-          <p:nvPr>
-            <p:extLst>
-              <p:ext uri="{386F3935-93C4-4BCD-93E2-E3B085C9AB24}">
-                <p16:designElem xmlns:p16="http://schemas.microsoft.com/office/powerpoint/2015/main" val="1"/>
-              </p:ext>
-            </p:extLst>
-          </p:nvPr>
-        </p:nvCxnSpPr>
-        <p:spPr>
-          <a:xfrm>
-            <a:off x="443195" y="1975471"/>
-            <a:ext cx="2057400" cy="0"/>
-          </a:xfrm>
-          <a:prstGeom prst="line">
-            <a:avLst/>
-          </a:prstGeom>
-          <a:ln w="6350">
-            <a:solidFill>
-              <a:schemeClr val="tx1">
-                <a:lumMod val="50000"/>
-                <a:lumOff val="50000"/>
-                <a:alpha val="90000"/>
-              </a:schemeClr>
-            </a:solidFill>
-          </a:ln>
-        </p:spPr>
-        <p:style>
-          <a:lnRef idx="1">
-            <a:schemeClr val="accent1"/>
-          </a:lnRef>
-          <a:fillRef idx="0">
-            <a:schemeClr val="accent1"/>
-          </a:fillRef>
-          <a:effectRef idx="0">
-            <a:schemeClr val="accent1"/>
-          </a:effectRef>
-          <a:fontRef idx="minor">
-            <a:schemeClr val="tx1"/>
-          </a:fontRef>
-        </p:style>
-      </p:cxnSp>
-      <p:pic>
-        <p:nvPicPr>
-          <p:cNvPr id="2" name="Picture 1">
-            <a:extLst>
-              <a:ext uri="{FF2B5EF4-FFF2-40B4-BE49-F238E27FC236}">
-                <a16:creationId xmlns:a16="http://schemas.microsoft.com/office/drawing/2014/main" id="{5AFEF3F3-D4FF-43BD-B0E2-C9C0F54F1B46}"/>
-              </a:ext>
-            </a:extLst>
-          </p:cNvPr>
-          <p:cNvPicPr>
-            <a:picLocks noChangeAspect="1"/>
-          </p:cNvPicPr>
-          <p:nvPr/>
-        </p:nvPicPr>
-        <p:blipFill>
-          <a:blip r:embed="rId3"/>
-          <a:stretch>
-            <a:fillRect/>
-          </a:stretch>
-        </p:blipFill>
-        <p:spPr>
-          <a:xfrm>
-            <a:off x="3037936" y="148495"/>
-            <a:ext cx="5748256" cy="4651740"/>
-          </a:xfrm>
-          <a:prstGeom prst="rect">
-            <a:avLst/>
-          </a:prstGeom>
-        </p:spPr>
-      </p:pic>
     </p:spTree>
   </p:cSld>
   <p:clrMapOvr>
